--- a/Reports/Seminar-ppt.pptx
+++ b/Reports/Seminar-ppt.pptx
@@ -5,7 +5,7 @@
     <p:sldMasterId id="2147483658" r:id="rId1"/>
   </p:sldMasterIdLst>
   <p:notesMasterIdLst>
-    <p:notesMasterId r:id="rId26"/>
+    <p:notesMasterId r:id="rId27"/>
   </p:notesMasterIdLst>
   <p:sldIdLst>
     <p:sldId id="256" r:id="rId2"/>
@@ -18,59 +18,60 @@
     <p:sldId id="263" r:id="rId9"/>
     <p:sldId id="281" r:id="rId10"/>
     <p:sldId id="264" r:id="rId11"/>
-    <p:sldId id="265" r:id="rId12"/>
-    <p:sldId id="267" r:id="rId13"/>
-    <p:sldId id="268" r:id="rId14"/>
-    <p:sldId id="269" r:id="rId15"/>
-    <p:sldId id="270" r:id="rId16"/>
-    <p:sldId id="271" r:id="rId17"/>
-    <p:sldId id="272" r:id="rId18"/>
-    <p:sldId id="273" r:id="rId19"/>
-    <p:sldId id="274" r:id="rId20"/>
-    <p:sldId id="275" r:id="rId21"/>
-    <p:sldId id="276" r:id="rId22"/>
-    <p:sldId id="277" r:id="rId23"/>
-    <p:sldId id="278" r:id="rId24"/>
-    <p:sldId id="279" r:id="rId25"/>
+    <p:sldId id="282" r:id="rId12"/>
+    <p:sldId id="265" r:id="rId13"/>
+    <p:sldId id="267" r:id="rId14"/>
+    <p:sldId id="268" r:id="rId15"/>
+    <p:sldId id="269" r:id="rId16"/>
+    <p:sldId id="270" r:id="rId17"/>
+    <p:sldId id="271" r:id="rId18"/>
+    <p:sldId id="272" r:id="rId19"/>
+    <p:sldId id="273" r:id="rId20"/>
+    <p:sldId id="274" r:id="rId21"/>
+    <p:sldId id="275" r:id="rId22"/>
+    <p:sldId id="276" r:id="rId23"/>
+    <p:sldId id="277" r:id="rId24"/>
+    <p:sldId id="278" r:id="rId25"/>
+    <p:sldId id="279" r:id="rId26"/>
   </p:sldIdLst>
   <p:sldSz cx="9144000" cy="5143500" type="screen16x9"/>
   <p:notesSz cx="6858000" cy="9144000"/>
   <p:embeddedFontLst>
     <p:embeddedFont>
       <p:font typeface="Algerian" panose="04020705040A02060702" pitchFamily="82" charset="0"/>
-      <p:regular r:id="rId27"/>
+      <p:regular r:id="rId28"/>
     </p:embeddedFont>
     <p:embeddedFont>
       <p:font typeface="Arial Rounded MT Bold" panose="020F0704030504030204" pitchFamily="34" charset="0"/>
-      <p:regular r:id="rId28"/>
+      <p:regular r:id="rId29"/>
     </p:embeddedFont>
     <p:embeddedFont>
       <p:font typeface="Candara" panose="020E0502030303020204" pitchFamily="34" charset="0"/>
-      <p:regular r:id="rId29"/>
-      <p:bold r:id="rId30"/>
-      <p:italic r:id="rId31"/>
-      <p:boldItalic r:id="rId32"/>
+      <p:regular r:id="rId30"/>
+      <p:bold r:id="rId31"/>
+      <p:italic r:id="rId32"/>
+      <p:boldItalic r:id="rId33"/>
     </p:embeddedFont>
     <p:embeddedFont>
       <p:font typeface="Montserrat" panose="00000500000000000000" pitchFamily="2" charset="0"/>
-      <p:regular r:id="rId33"/>
-      <p:bold r:id="rId34"/>
-      <p:italic r:id="rId35"/>
-      <p:boldItalic r:id="rId36"/>
+      <p:regular r:id="rId34"/>
+      <p:bold r:id="rId35"/>
+      <p:italic r:id="rId36"/>
+      <p:boldItalic r:id="rId37"/>
     </p:embeddedFont>
     <p:embeddedFont>
       <p:font typeface="Montserrat Light" panose="00000400000000000000" pitchFamily="2" charset="0"/>
-      <p:regular r:id="rId37"/>
-      <p:bold r:id="rId38"/>
-      <p:italic r:id="rId39"/>
-      <p:boldItalic r:id="rId40"/>
+      <p:regular r:id="rId38"/>
+      <p:bold r:id="rId39"/>
+      <p:italic r:id="rId40"/>
+      <p:boldItalic r:id="rId41"/>
     </p:embeddedFont>
     <p:embeddedFont>
       <p:font typeface="Poppins" panose="00000500000000000000" pitchFamily="2" charset="0"/>
-      <p:regular r:id="rId41"/>
-      <p:bold r:id="rId42"/>
-      <p:italic r:id="rId43"/>
-      <p:boldItalic r:id="rId44"/>
+      <p:regular r:id="rId42"/>
+      <p:bold r:id="rId43"/>
+      <p:italic r:id="rId44"/>
+      <p:boldItalic r:id="rId45"/>
     </p:embeddedFont>
   </p:embeddedFontLst>
   <p:defaultTextStyle>
@@ -13938,8 +13939,8 @@
         </p:nvSpPr>
         <p:spPr>
           <a:xfrm>
-            <a:off x="2514600" y="57150"/>
-            <a:ext cx="4267200" cy="323400"/>
+            <a:off x="228600" y="190950"/>
+            <a:ext cx="2971800" cy="323400"/>
           </a:xfrm>
           <a:prstGeom prst="rect">
             <a:avLst/>
@@ -13962,12 +13963,22 @@
             </a:pPr>
             <a:r>
               <a:rPr lang="en" sz="2800" dirty="0">
-                <a:latin typeface="Candara" pitchFamily="34" charset="0"/>
+                <a:solidFill>
+                  <a:schemeClr val="tx2">
+                    <a:lumMod val="50000"/>
+                  </a:schemeClr>
+                </a:solidFill>
+                <a:latin typeface="Algerian" panose="04020705040A02060702" pitchFamily="82" charset="0"/>
               </a:rPr>
-              <a:t>Serverless: characteristics</a:t>
+              <a:t>CHARACTERISTIC</a:t>
             </a:r>
             <a:endParaRPr sz="2800" dirty="0">
-              <a:latin typeface="Candara" pitchFamily="34" charset="0"/>
+              <a:solidFill>
+                <a:schemeClr val="tx2">
+                  <a:lumMod val="50000"/>
+                </a:schemeClr>
+              </a:solidFill>
+              <a:latin typeface="Algerian" panose="04020705040A02060702" pitchFamily="82" charset="0"/>
             </a:endParaRPr>
           </a:p>
         </p:txBody>
@@ -13984,8 +13995,8 @@
         </p:nvSpPr>
         <p:spPr>
           <a:xfrm>
-            <a:off x="76200" y="514350"/>
-            <a:ext cx="9031705" cy="4572000"/>
+            <a:off x="228600" y="923775"/>
+            <a:ext cx="8617105" cy="3629175"/>
           </a:xfrm>
           <a:prstGeom prst="rect">
             <a:avLst/>
@@ -13997,12 +14008,16 @@
           </a:bodyPr>
           <a:lstStyle/>
           <a:p>
-            <a:pPr marL="0" lvl="0" indent="0">
-              <a:buNone/>
+            <a:pPr marL="285750" lvl="0" indent="-285750" algn="just">
+              <a:lnSpc>
+                <a:spcPct val="100000"/>
+              </a:lnSpc>
+              <a:buFont typeface="Wingdings" panose="05000000000000000000" pitchFamily="2" charset="2"/>
+              <a:buChar char="Ø"/>
             </a:pPr>
             <a:r>
               <a:rPr lang="en-US" sz="1400" dirty="0">
-                <a:latin typeface="+mn-lt"/>
+                <a:latin typeface="Arial Rounded MT Bold" panose="020F0704030504030204" pitchFamily="34" charset="0"/>
                 <a:ea typeface="Montserrat"/>
                 <a:cs typeface="Montserrat"/>
                 <a:sym typeface="Montserrat"/>
@@ -14011,12 +14026,31 @@
             </a:r>
           </a:p>
           <a:p>
-            <a:pPr marL="0" lvl="0" indent="0">
-              <a:buNone/>
+            <a:pPr marL="285750" lvl="0" indent="-285750" algn="just">
+              <a:lnSpc>
+                <a:spcPct val="100000"/>
+              </a:lnSpc>
+              <a:buFont typeface="Wingdings" panose="05000000000000000000" pitchFamily="2" charset="2"/>
+              <a:buChar char="Ø"/>
+            </a:pPr>
+            <a:endParaRPr lang="en-US" sz="1400" dirty="0">
+              <a:latin typeface="Arial Rounded MT Bold" panose="020F0704030504030204" pitchFamily="34" charset="0"/>
+              <a:ea typeface="Montserrat"/>
+              <a:cs typeface="Montserrat"/>
+              <a:sym typeface="Montserrat"/>
+            </a:endParaRPr>
+          </a:p>
+          <a:p>
+            <a:pPr marL="285750" lvl="0" indent="-285750" algn="just">
+              <a:lnSpc>
+                <a:spcPct val="100000"/>
+              </a:lnSpc>
+              <a:buFont typeface="Wingdings" panose="05000000000000000000" pitchFamily="2" charset="2"/>
+              <a:buChar char="Ø"/>
             </a:pPr>
             <a:r>
               <a:rPr lang="en-US" sz="1400" dirty="0">
-                <a:latin typeface="+mn-lt"/>
+                <a:latin typeface="Arial Rounded MT Bold" panose="020F0704030504030204" pitchFamily="34" charset="0"/>
                 <a:ea typeface="Montserrat"/>
                 <a:cs typeface="Montserrat"/>
                 <a:sym typeface="Montserrat"/>
@@ -14025,39 +14059,40 @@
             </a:r>
           </a:p>
           <a:p>
-            <a:pPr marL="0" lvl="0" indent="0">
-              <a:buNone/>
+            <a:pPr marL="285750" lvl="0" indent="-285750" algn="just">
+              <a:lnSpc>
+                <a:spcPct val="100000"/>
+              </a:lnSpc>
+              <a:buFont typeface="Wingdings" panose="05000000000000000000" pitchFamily="2" charset="2"/>
+              <a:buChar char="Ø"/>
+            </a:pPr>
+            <a:endParaRPr lang="en-US" sz="1400" dirty="0">
+              <a:latin typeface="Arial Rounded MT Bold" panose="020F0704030504030204" pitchFamily="34" charset="0"/>
+              <a:ea typeface="Montserrat"/>
+              <a:cs typeface="Montserrat"/>
+              <a:sym typeface="Montserrat"/>
+            </a:endParaRPr>
+          </a:p>
+          <a:p>
+            <a:pPr marL="285750" lvl="0" indent="-285750" algn="just">
+              <a:lnSpc>
+                <a:spcPct val="100000"/>
+              </a:lnSpc>
+              <a:buFont typeface="Wingdings" panose="05000000000000000000" pitchFamily="2" charset="2"/>
+              <a:buChar char="Ø"/>
             </a:pPr>
             <a:r>
               <a:rPr lang="en-US" sz="1400" dirty="0">
-                <a:latin typeface="+mn-lt"/>
+                <a:latin typeface="Arial Rounded MT Bold" panose="020F0704030504030204" pitchFamily="34" charset="0"/>
                 <a:ea typeface="Montserrat"/>
                 <a:cs typeface="Montserrat"/>
                 <a:sym typeface="Montserrat"/>
               </a:rPr>
-              <a:t>Simple Deployment : Thanks to the small size of deployment artifacts, in general , deployments are simple and quick. Deployment artifacts are typically idiomatic of the chosen runtime e.g. </a:t>
+              <a:t>Simple Deployment : Thanks to the small size of deployment artifacts, in general , deployments are simple and quick. Deployment artifacts are typically idiomatic of the chosen runtime e.g. NuGet packages, </a:t>
             </a:r>
             <a:r>
               <a:rPr lang="en-US" sz="1400" dirty="0" err="1">
-                <a:latin typeface="+mn-lt"/>
-                <a:ea typeface="Montserrat"/>
-                <a:cs typeface="Montserrat"/>
-                <a:sym typeface="Montserrat"/>
-              </a:rPr>
-              <a:t>NuGet</a:t>
-            </a:r>
-            <a:r>
-              <a:rPr lang="en-US" sz="1400" dirty="0">
-                <a:latin typeface="+mn-lt"/>
-                <a:ea typeface="Montserrat"/>
-                <a:cs typeface="Montserrat"/>
-                <a:sym typeface="Montserrat"/>
-              </a:rPr>
-              <a:t> packages, </a:t>
-            </a:r>
-            <a:r>
-              <a:rPr lang="en-US" sz="1400" dirty="0" err="1">
-                <a:latin typeface="+mn-lt"/>
+                <a:latin typeface="Arial Rounded MT Bold" panose="020F0704030504030204" pitchFamily="34" charset="0"/>
                 <a:ea typeface="Montserrat"/>
                 <a:cs typeface="Montserrat"/>
                 <a:sym typeface="Montserrat"/>
@@ -14066,7 +14101,7 @@
             </a:r>
             <a:r>
               <a:rPr lang="en-US" sz="1400" dirty="0">
-                <a:latin typeface="+mn-lt"/>
+                <a:latin typeface="Arial Rounded MT Bold" panose="020F0704030504030204" pitchFamily="34" charset="0"/>
                 <a:ea typeface="Montserrat"/>
                 <a:cs typeface="Montserrat"/>
                 <a:sym typeface="Montserrat"/>
@@ -14075,12 +14110,31 @@
             </a:r>
           </a:p>
           <a:p>
-            <a:pPr marL="0" lvl="0" indent="0">
-              <a:buNone/>
+            <a:pPr marL="285750" lvl="0" indent="-285750" algn="just">
+              <a:lnSpc>
+                <a:spcPct val="100000"/>
+              </a:lnSpc>
+              <a:buFont typeface="Wingdings" panose="05000000000000000000" pitchFamily="2" charset="2"/>
+              <a:buChar char="Ø"/>
+            </a:pPr>
+            <a:endParaRPr lang="en-US" sz="1400" dirty="0">
+              <a:latin typeface="Arial Rounded MT Bold" panose="020F0704030504030204" pitchFamily="34" charset="0"/>
+              <a:ea typeface="Montserrat"/>
+              <a:cs typeface="Montserrat"/>
+              <a:sym typeface="Montserrat"/>
+            </a:endParaRPr>
+          </a:p>
+          <a:p>
+            <a:pPr marL="285750" lvl="0" indent="-285750" algn="just">
+              <a:lnSpc>
+                <a:spcPct val="100000"/>
+              </a:lnSpc>
+              <a:buFont typeface="Wingdings" panose="05000000000000000000" pitchFamily="2" charset="2"/>
+              <a:buChar char="Ø"/>
             </a:pPr>
             <a:r>
               <a:rPr lang="en-US" sz="1400" dirty="0">
-                <a:latin typeface="+mn-lt"/>
+                <a:latin typeface="Arial Rounded MT Bold" panose="020F0704030504030204" pitchFamily="34" charset="0"/>
                 <a:ea typeface="Montserrat"/>
                 <a:cs typeface="Montserrat"/>
                 <a:sym typeface="Montserrat"/>
@@ -14089,126 +14143,48 @@
             </a:r>
           </a:p>
           <a:p>
-            <a:pPr marL="0" lvl="0" indent="0">
-              <a:buNone/>
+            <a:pPr marL="285750" lvl="0" indent="-285750" algn="just">
+              <a:lnSpc>
+                <a:spcPct val="100000"/>
+              </a:lnSpc>
+              <a:buFont typeface="Wingdings" panose="05000000000000000000" pitchFamily="2" charset="2"/>
+              <a:buChar char="Ø"/>
+            </a:pPr>
+            <a:endParaRPr lang="en-US" sz="1400" dirty="0">
+              <a:latin typeface="Arial Rounded MT Bold" panose="020F0704030504030204" pitchFamily="34" charset="0"/>
+              <a:ea typeface="Montserrat"/>
+              <a:cs typeface="Montserrat"/>
+              <a:sym typeface="Montserrat"/>
+            </a:endParaRPr>
+          </a:p>
+          <a:p>
+            <a:pPr marL="285750" lvl="0" indent="-285750" algn="just">
+              <a:lnSpc>
+                <a:spcPct val="100000"/>
+              </a:lnSpc>
+              <a:buFont typeface="Wingdings" panose="05000000000000000000" pitchFamily="2" charset="2"/>
+              <a:buChar char="Ø"/>
             </a:pPr>
             <a:r>
               <a:rPr lang="en-US" sz="1400" dirty="0">
-                <a:latin typeface="+mn-lt"/>
+                <a:latin typeface="Arial Rounded MT Bold" panose="020F0704030504030204" pitchFamily="34" charset="0"/>
                 <a:ea typeface="Montserrat"/>
                 <a:cs typeface="Montserrat"/>
                 <a:sym typeface="Montserrat"/>
               </a:rPr>
-              <a:t>Programming languages : </a:t>
+              <a:t>Programming languages : Serverless services support a wide variety of programming. languages - Node, Python. </a:t>
             </a:r>
-            <a:r>
-              <a:rPr lang="en-US" sz="1400" dirty="0" err="1">
-                <a:latin typeface="+mn-lt"/>
-                <a:ea typeface="Montserrat"/>
-                <a:cs typeface="Montserrat"/>
-                <a:sym typeface="Montserrat"/>
-              </a:rPr>
-              <a:t>Serverless</a:t>
-            </a:r>
-            <a:r>
-              <a:rPr lang="en-US" sz="1400" dirty="0">
-                <a:latin typeface="+mn-lt"/>
-                <a:ea typeface="Montserrat"/>
-                <a:cs typeface="Montserrat"/>
-                <a:sym typeface="Montserrat"/>
-              </a:rPr>
-              <a:t> services support a wide variety of programming. languages - Node, Python. </a:t>
-            </a:r>
-          </a:p>
-          <a:p>
-            <a:pPr marL="0" lvl="0" indent="0">
-              <a:buNone/>
-            </a:pPr>
-            <a:r>
-              <a:rPr lang="en-US" sz="1400" dirty="0">
-                <a:latin typeface="+mn-lt"/>
-                <a:ea typeface="Montserrat"/>
-                <a:cs typeface="Montserrat"/>
-                <a:sym typeface="Montserrat"/>
-              </a:rPr>
-              <a:t>Stateless : </a:t>
-            </a:r>
-            <a:r>
-              <a:rPr lang="en-US" sz="1400" dirty="0" err="1">
-                <a:latin typeface="+mn-lt"/>
-                <a:ea typeface="Montserrat"/>
-                <a:cs typeface="Montserrat"/>
-                <a:sym typeface="Montserrat"/>
-              </a:rPr>
-              <a:t>FaaS</a:t>
-            </a:r>
-            <a:r>
-              <a:rPr lang="en-US" sz="1400" dirty="0">
-                <a:latin typeface="+mn-lt"/>
-                <a:ea typeface="Montserrat"/>
-                <a:cs typeface="Montserrat"/>
-                <a:sym typeface="Montserrat"/>
-              </a:rPr>
-              <a:t> are stateless, not storing states , as containers running code will automatically destroy and created by platform.</a:t>
-            </a:r>
-          </a:p>
-          <a:p>
-            <a:pPr marL="0" lvl="0" indent="0">
-              <a:buNone/>
-            </a:pPr>
-            <a:r>
-              <a:rPr lang="en-US" sz="1400" dirty="0">
-                <a:latin typeface="+mn-lt"/>
-                <a:ea typeface="Montserrat"/>
-                <a:cs typeface="Montserrat"/>
-                <a:sym typeface="Montserrat"/>
-              </a:rPr>
-              <a:t>Event Triggered : Although functions can be invoked directly, they are typically triggered by events from other cloud services, such as incoming HTTP requests , Simple Deployment Model. </a:t>
-            </a:r>
-          </a:p>
-          <a:p>
-            <a:pPr marL="0" lvl="0" indent="0">
-              <a:buNone/>
-            </a:pPr>
-            <a:r>
-              <a:rPr lang="en-US" sz="1400" dirty="0">
-                <a:latin typeface="+mn-lt"/>
-                <a:ea typeface="Montserrat"/>
-                <a:cs typeface="Montserrat"/>
-                <a:sym typeface="Montserrat"/>
-              </a:rPr>
-              <a:t>Small Deployable Units and More focus on Business Value. </a:t>
-            </a:r>
-          </a:p>
-          <a:p>
-            <a:pPr marL="0" lvl="0" indent="0">
-              <a:buNone/>
-            </a:pPr>
-            <a:r>
-              <a:rPr lang="en-US" sz="1400" dirty="0">
-                <a:latin typeface="+mn-lt"/>
-                <a:ea typeface="Montserrat"/>
-                <a:cs typeface="Montserrat"/>
-                <a:sym typeface="Montserrat"/>
-              </a:rPr>
-              <a:t>Managed by third party. </a:t>
-            </a:r>
-          </a:p>
-          <a:p>
-            <a:pPr marL="0" lvl="0" indent="0">
-              <a:buNone/>
-            </a:pPr>
-            <a:r>
-              <a:rPr lang="en-US" sz="1400" dirty="0">
-                <a:latin typeface="+mn-lt"/>
-                <a:ea typeface="Montserrat"/>
-                <a:cs typeface="Montserrat"/>
-                <a:sym typeface="Montserrat"/>
-              </a:rPr>
-              <a:t>No more "Works on my Machine"</a:t>
-            </a:r>
-            <a:endParaRPr sz="1400" dirty="0">
-              <a:latin typeface="+mn-lt"/>
+          </a:p>
+          <a:p>
+            <a:pPr marL="285750" lvl="0" indent="-285750" algn="just">
+              <a:lnSpc>
+                <a:spcPct val="100000"/>
+              </a:lnSpc>
+              <a:buFont typeface="Wingdings" panose="05000000000000000000" pitchFamily="2" charset="2"/>
+              <a:buChar char="Ø"/>
+            </a:pPr>
+            <a:endParaRPr lang="en-US" sz="1400" dirty="0">
+              <a:latin typeface="Arial Rounded MT Bold" panose="020F0704030504030204" pitchFamily="34" charset="0"/>
               <a:ea typeface="Montserrat"/>
               <a:cs typeface="Montserrat"/>
               <a:sym typeface="Montserrat"/>
@@ -14263,6 +14239,268 @@
 </file>
 
 <file path=ppt/slides/slide11.xml><?xml version="1.0" encoding="utf-8"?>
+<p:sld xmlns:a="http://schemas.openxmlformats.org/drawingml/2006/main" xmlns:r="http://schemas.openxmlformats.org/officeDocument/2006/relationships" xmlns:p="http://schemas.openxmlformats.org/presentationml/2006/main">
+  <p:cSld>
+    <p:spTree>
+      <p:nvGrpSpPr>
+        <p:cNvPr id="1" name=""/>
+        <p:cNvGrpSpPr/>
+        <p:nvPr/>
+      </p:nvGrpSpPr>
+      <p:grpSpPr>
+        <a:xfrm>
+          <a:off x="0" y="0"/>
+          <a:ext cx="0" cy="0"/>
+          <a:chOff x="0" y="0"/>
+          <a:chExt cx="0" cy="0"/>
+        </a:xfrm>
+      </p:grpSpPr>
+      <p:sp>
+        <p:nvSpPr>
+          <p:cNvPr id="6" name="Slide Number Placeholder 5">
+            <a:extLst>
+              <a:ext uri="{FF2B5EF4-FFF2-40B4-BE49-F238E27FC236}">
+                <a16:creationId xmlns:a16="http://schemas.microsoft.com/office/drawing/2014/main" id="{0171CF1A-5BB0-968F-6983-F2BC8B02B89A}"/>
+              </a:ext>
+            </a:extLst>
+          </p:cNvPr>
+          <p:cNvSpPr>
+            <a:spLocks noGrp="1"/>
+          </p:cNvSpPr>
+          <p:nvPr>
+            <p:ph type="sldNum" idx="12"/>
+          </p:nvPr>
+        </p:nvSpPr>
+        <p:spPr/>
+        <p:txBody>
+          <a:bodyPr/>
+          <a:lstStyle/>
+          <a:p>
+            <a:pPr marL="0" lvl="0" indent="0" algn="ctr" rtl="0">
+              <a:spcBef>
+                <a:spcPts val="0"/>
+              </a:spcBef>
+              <a:spcAft>
+                <a:spcPts val="0"/>
+              </a:spcAft>
+              <a:buNone/>
+            </a:pPr>
+            <a:fld id="{00000000-1234-1234-1234-123412341234}" type="slidenum">
+              <a:rPr lang="en" smtClean="0"/>
+              <a:t>11</a:t>
+            </a:fld>
+            <a:endParaRPr lang="en"/>
+          </a:p>
+        </p:txBody>
+      </p:sp>
+      <p:sp>
+        <p:nvSpPr>
+          <p:cNvPr id="8" name="TextBox 7">
+            <a:extLst>
+              <a:ext uri="{FF2B5EF4-FFF2-40B4-BE49-F238E27FC236}">
+                <a16:creationId xmlns:a16="http://schemas.microsoft.com/office/drawing/2014/main" id="{3ABEE386-DD63-880D-CB1D-33D983421E8D}"/>
+              </a:ext>
+            </a:extLst>
+          </p:cNvPr>
+          <p:cNvSpPr txBox="1"/>
+          <p:nvPr/>
+        </p:nvSpPr>
+        <p:spPr>
+          <a:xfrm>
+            <a:off x="304800" y="1047750"/>
+            <a:ext cx="8424600" cy="2462213"/>
+          </a:xfrm>
+          <a:prstGeom prst="rect">
+            <a:avLst/>
+          </a:prstGeom>
+          <a:noFill/>
+        </p:spPr>
+        <p:txBody>
+          <a:bodyPr wrap="square">
+            <a:spAutoFit/>
+          </a:bodyPr>
+          <a:lstStyle/>
+          <a:p>
+            <a:pPr marL="285750" lvl="0" indent="-285750" algn="just">
+              <a:buFont typeface="Wingdings" panose="05000000000000000000" pitchFamily="2" charset="2"/>
+              <a:buChar char="Ø"/>
+            </a:pPr>
+            <a:r>
+              <a:rPr lang="en-US" sz="1400" dirty="0">
+                <a:solidFill>
+                  <a:schemeClr val="tx1"/>
+                </a:solidFill>
+                <a:latin typeface="Arial Rounded MT Bold" panose="020F0704030504030204" pitchFamily="34" charset="0"/>
+                <a:ea typeface="Montserrat"/>
+                <a:cs typeface="Montserrat"/>
+                <a:sym typeface="Montserrat"/>
+              </a:rPr>
+              <a:t>Stateless : </a:t>
+            </a:r>
+            <a:r>
+              <a:rPr lang="en-US" sz="1400" dirty="0" err="1">
+                <a:solidFill>
+                  <a:schemeClr val="tx1"/>
+                </a:solidFill>
+                <a:latin typeface="Arial Rounded MT Bold" panose="020F0704030504030204" pitchFamily="34" charset="0"/>
+                <a:ea typeface="Montserrat"/>
+                <a:cs typeface="Montserrat"/>
+                <a:sym typeface="Montserrat"/>
+              </a:rPr>
+              <a:t>FaaS</a:t>
+            </a:r>
+            <a:r>
+              <a:rPr lang="en-US" sz="1400" dirty="0">
+                <a:solidFill>
+                  <a:schemeClr val="tx1"/>
+                </a:solidFill>
+                <a:latin typeface="Arial Rounded MT Bold" panose="020F0704030504030204" pitchFamily="34" charset="0"/>
+                <a:ea typeface="Montserrat"/>
+                <a:cs typeface="Montserrat"/>
+                <a:sym typeface="Montserrat"/>
+              </a:rPr>
+              <a:t> are stateless, not storing states , as containers running code will automatically destroy and created by platform.</a:t>
+            </a:r>
+          </a:p>
+          <a:p>
+            <a:pPr marL="285750" lvl="0" indent="-285750" algn="just">
+              <a:buFont typeface="Wingdings" panose="05000000000000000000" pitchFamily="2" charset="2"/>
+              <a:buChar char="Ø"/>
+            </a:pPr>
+            <a:endParaRPr lang="en-US" sz="1400" dirty="0">
+              <a:solidFill>
+                <a:schemeClr val="tx1"/>
+              </a:solidFill>
+              <a:latin typeface="Arial Rounded MT Bold" panose="020F0704030504030204" pitchFamily="34" charset="0"/>
+              <a:ea typeface="Montserrat"/>
+              <a:cs typeface="Montserrat"/>
+              <a:sym typeface="Montserrat"/>
+            </a:endParaRPr>
+          </a:p>
+          <a:p>
+            <a:pPr marL="285750" lvl="0" indent="-285750" algn="just">
+              <a:buFont typeface="Wingdings" panose="05000000000000000000" pitchFamily="2" charset="2"/>
+              <a:buChar char="Ø"/>
+            </a:pPr>
+            <a:r>
+              <a:rPr lang="en-US" sz="1400" dirty="0">
+                <a:solidFill>
+                  <a:schemeClr val="tx1"/>
+                </a:solidFill>
+                <a:latin typeface="Arial Rounded MT Bold" panose="020F0704030504030204" pitchFamily="34" charset="0"/>
+                <a:ea typeface="Montserrat"/>
+                <a:cs typeface="Montserrat"/>
+                <a:sym typeface="Montserrat"/>
+              </a:rPr>
+              <a:t>Event Triggered : Although functions can be invoked directly, they are typically triggered by events from other cloud services, such as incoming HTTP requests , Simple Deployment Model. </a:t>
+            </a:r>
+          </a:p>
+          <a:p>
+            <a:pPr marL="285750" lvl="0" indent="-285750" algn="just">
+              <a:buFont typeface="Wingdings" panose="05000000000000000000" pitchFamily="2" charset="2"/>
+              <a:buChar char="Ø"/>
+            </a:pPr>
+            <a:r>
+              <a:rPr lang="en-US" sz="1400" dirty="0">
+                <a:solidFill>
+                  <a:schemeClr val="tx1"/>
+                </a:solidFill>
+                <a:latin typeface="Arial Rounded MT Bold" panose="020F0704030504030204" pitchFamily="34" charset="0"/>
+                <a:ea typeface="Montserrat"/>
+                <a:cs typeface="Montserrat"/>
+                <a:sym typeface="Montserrat"/>
+              </a:rPr>
+              <a:t>Small Deployable Units and More focus on Business Value. </a:t>
+            </a:r>
+          </a:p>
+          <a:p>
+            <a:pPr marL="285750" lvl="0" indent="-285750" algn="just">
+              <a:buFont typeface="Wingdings" panose="05000000000000000000" pitchFamily="2" charset="2"/>
+              <a:buChar char="Ø"/>
+            </a:pPr>
+            <a:endParaRPr lang="en-US" sz="1400" dirty="0">
+              <a:solidFill>
+                <a:schemeClr val="tx1"/>
+              </a:solidFill>
+              <a:latin typeface="Arial Rounded MT Bold" panose="020F0704030504030204" pitchFamily="34" charset="0"/>
+              <a:ea typeface="Montserrat"/>
+              <a:cs typeface="Montserrat"/>
+              <a:sym typeface="Montserrat"/>
+            </a:endParaRPr>
+          </a:p>
+          <a:p>
+            <a:pPr marL="285750" lvl="0" indent="-285750" algn="just">
+              <a:buFont typeface="Wingdings" panose="05000000000000000000" pitchFamily="2" charset="2"/>
+              <a:buChar char="Ø"/>
+            </a:pPr>
+            <a:r>
+              <a:rPr lang="en-US" sz="1400" dirty="0">
+                <a:solidFill>
+                  <a:schemeClr val="tx1"/>
+                </a:solidFill>
+                <a:latin typeface="Arial Rounded MT Bold" panose="020F0704030504030204" pitchFamily="34" charset="0"/>
+                <a:ea typeface="Montserrat"/>
+                <a:cs typeface="Montserrat"/>
+                <a:sym typeface="Montserrat"/>
+              </a:rPr>
+              <a:t>Managed by third party. </a:t>
+            </a:r>
+          </a:p>
+          <a:p>
+            <a:pPr marL="285750" lvl="0" indent="-285750" algn="just">
+              <a:buFont typeface="Wingdings" panose="05000000000000000000" pitchFamily="2" charset="2"/>
+              <a:buChar char="Ø"/>
+            </a:pPr>
+            <a:endParaRPr lang="en-US" sz="1400" dirty="0">
+              <a:solidFill>
+                <a:schemeClr val="tx1"/>
+              </a:solidFill>
+              <a:latin typeface="Arial Rounded MT Bold" panose="020F0704030504030204" pitchFamily="34" charset="0"/>
+              <a:ea typeface="Montserrat"/>
+              <a:cs typeface="Montserrat"/>
+              <a:sym typeface="Montserrat"/>
+            </a:endParaRPr>
+          </a:p>
+          <a:p>
+            <a:pPr marL="285750" lvl="0" indent="-285750" algn="just">
+              <a:buFont typeface="Wingdings" panose="05000000000000000000" pitchFamily="2" charset="2"/>
+              <a:buChar char="Ø"/>
+            </a:pPr>
+            <a:r>
+              <a:rPr lang="en-US" sz="1400" dirty="0">
+                <a:solidFill>
+                  <a:schemeClr val="tx1"/>
+                </a:solidFill>
+                <a:latin typeface="Arial Rounded MT Bold" panose="020F0704030504030204" pitchFamily="34" charset="0"/>
+                <a:ea typeface="Montserrat"/>
+                <a:cs typeface="Montserrat"/>
+                <a:sym typeface="Montserrat"/>
+              </a:rPr>
+              <a:t>No more "Works on my Machine"</a:t>
+            </a:r>
+            <a:endParaRPr lang="en-US" dirty="0">
+              <a:solidFill>
+                <a:schemeClr val="tx1"/>
+              </a:solidFill>
+              <a:latin typeface="Arial Rounded MT Bold" panose="020F0704030504030204" pitchFamily="34" charset="0"/>
+            </a:endParaRPr>
+          </a:p>
+        </p:txBody>
+      </p:sp>
+    </p:spTree>
+    <p:extLst>
+      <p:ext uri="{BB962C8B-B14F-4D97-AF65-F5344CB8AC3E}">
+        <p14:creationId xmlns:p14="http://schemas.microsoft.com/office/powerpoint/2010/main" val="2259004654"/>
+      </p:ext>
+    </p:extLst>
+  </p:cSld>
+  <p:clrMapOvr>
+    <a:masterClrMapping/>
+  </p:clrMapOvr>
+</p:sld>
+</file>
+
+<file path=ppt/slides/slide12.xml><?xml version="1.0" encoding="utf-8"?>
 <p:sld xmlns:a="http://schemas.openxmlformats.org/drawingml/2006/main" xmlns:r="http://schemas.openxmlformats.org/officeDocument/2006/relationships" xmlns:p="http://schemas.openxmlformats.org/presentationml/2006/main">
   <p:cSld>
     <p:spTree>
@@ -14291,8 +14529,8 @@
         </p:nvSpPr>
         <p:spPr>
           <a:xfrm>
-            <a:off x="2743200" y="133350"/>
-            <a:ext cx="3587400" cy="399600"/>
+            <a:off x="228600" y="209550"/>
+            <a:ext cx="4495800" cy="381000"/>
           </a:xfrm>
           <a:prstGeom prst="rect">
             <a:avLst/>
@@ -14304,7 +14542,7 @@
           </a:bodyPr>
           <a:lstStyle/>
           <a:p>
-            <a:pPr marL="0" lvl="0" indent="0" algn="l" rtl="0">
+            <a:pPr marL="0" lvl="0" indent="0" rtl="0">
               <a:spcBef>
                 <a:spcPts val="0"/>
               </a:spcBef>
@@ -14314,14 +14552,16 @@
               <a:buNone/>
             </a:pPr>
             <a:r>
-              <a:rPr lang="en" sz="2800" dirty="0">
-                <a:latin typeface="Candara" pitchFamily="34" charset="0"/>
+              <a:rPr lang="en-US" sz="2800" dirty="0">
+                <a:solidFill>
+                  <a:schemeClr val="tx2">
+                    <a:lumMod val="50000"/>
+                  </a:schemeClr>
+                </a:solidFill>
+                <a:latin typeface="Algerian" panose="04020705040A02060702" pitchFamily="82" charset="0"/>
               </a:rPr>
-              <a:t>Commercial Platforms</a:t>
+              <a:t>COMMERCIAL PLATFORMS</a:t>
             </a:r>
-            <a:endParaRPr sz="2800" dirty="0">
-              <a:latin typeface="Candara" pitchFamily="34" charset="0"/>
-            </a:endParaRPr>
           </a:p>
         </p:txBody>
       </p:sp>
@@ -14350,91 +14590,94 @@
           </a:bodyPr>
           <a:lstStyle/>
           <a:p>
-            <a:pPr marL="0" lvl="0" indent="0">
-              <a:buNone/>
+            <a:pPr marL="285750" lvl="0" indent="-285750">
+              <a:buFont typeface="Wingdings" panose="05000000000000000000" pitchFamily="2" charset="2"/>
+              <a:buChar char="Ø"/>
             </a:pPr>
             <a:r>
               <a:rPr lang="en-US" sz="1400" dirty="0">
                 <a:latin typeface="+mn-lt"/>
               </a:rPr>
-              <a:t>*Amazon's AWS Lambda•</a:t>
+              <a:t>Amazon's AWS Lambda</a:t>
             </a:r>
           </a:p>
           <a:p>
-            <a:pPr marL="0" lvl="0" indent="0">
-              <a:buNone/>
+            <a:pPr marL="285750" lvl="0" indent="-285750">
+              <a:buFont typeface="Wingdings" panose="05000000000000000000" pitchFamily="2" charset="2"/>
+              <a:buChar char="Ø"/>
             </a:pPr>
             <a:endParaRPr lang="en-US" sz="1400" dirty="0">
               <a:latin typeface="+mn-lt"/>
             </a:endParaRPr>
           </a:p>
           <a:p>
-            <a:pPr marL="0" lvl="0" indent="0">
-              <a:buNone/>
+            <a:pPr marL="285750" lvl="0" indent="-285750">
+              <a:buFont typeface="Wingdings" panose="05000000000000000000" pitchFamily="2" charset="2"/>
+              <a:buChar char="Ø"/>
             </a:pPr>
             <a:r>
               <a:rPr lang="en-US" sz="1400" dirty="0">
                 <a:latin typeface="+mn-lt"/>
               </a:rPr>
-              <a:t>*Google's Cloud Functions</a:t>
+              <a:t>Google's Cloud Functions</a:t>
             </a:r>
           </a:p>
           <a:p>
-            <a:pPr marL="0" lvl="0" indent="0">
-              <a:buNone/>
+            <a:pPr marL="285750" lvl="0" indent="-285750">
+              <a:buFont typeface="Wingdings" panose="05000000000000000000" pitchFamily="2" charset="2"/>
+              <a:buChar char="Ø"/>
             </a:pPr>
             <a:endParaRPr lang="en-US" sz="1400" dirty="0">
               <a:latin typeface="+mn-lt"/>
             </a:endParaRPr>
           </a:p>
           <a:p>
-            <a:pPr marL="0" lvl="0" indent="0">
-              <a:buNone/>
+            <a:pPr marL="285750" lvl="0" indent="-285750">
+              <a:buFont typeface="Wingdings" panose="05000000000000000000" pitchFamily="2" charset="2"/>
+              <a:buChar char="Ø"/>
             </a:pPr>
             <a:r>
               <a:rPr lang="en-US" sz="1400" dirty="0">
                 <a:latin typeface="+mn-lt"/>
               </a:rPr>
-              <a:t> *Microsoft Azure Functions</a:t>
+              <a:t> Microsoft Azure Functions</a:t>
             </a:r>
           </a:p>
           <a:p>
-            <a:pPr marL="0" lvl="0" indent="0">
-              <a:buNone/>
+            <a:pPr marL="285750" lvl="0" indent="-285750">
+              <a:buFont typeface="Wingdings" panose="05000000000000000000" pitchFamily="2" charset="2"/>
+              <a:buChar char="Ø"/>
             </a:pPr>
             <a:endParaRPr lang="en-US" sz="1400" dirty="0">
               <a:latin typeface="+mn-lt"/>
             </a:endParaRPr>
           </a:p>
           <a:p>
-            <a:pPr marL="0" lvl="0" indent="0">
-              <a:buNone/>
+            <a:pPr marL="285750" lvl="0" indent="-285750">
+              <a:buFont typeface="Wingdings" panose="05000000000000000000" pitchFamily="2" charset="2"/>
+              <a:buChar char="Ø"/>
             </a:pPr>
             <a:r>
               <a:rPr lang="en-US" sz="1400" dirty="0">
                 <a:latin typeface="+mn-lt"/>
               </a:rPr>
-              <a:t>*IBM Cloud Functions</a:t>
+              <a:t>IBM Cloud Functions</a:t>
             </a:r>
           </a:p>
           <a:p>
-            <a:pPr marL="0" lvl="0" indent="0">
-              <a:buNone/>
+            <a:pPr marL="285750" lvl="0" indent="-285750">
+              <a:buFont typeface="Wingdings" panose="05000000000000000000" pitchFamily="2" charset="2"/>
+              <a:buChar char="Ø"/>
             </a:pPr>
             <a:endParaRPr lang="en-US" sz="1400" dirty="0">
               <a:latin typeface="+mn-lt"/>
             </a:endParaRPr>
           </a:p>
           <a:p>
-            <a:pPr marL="0" lvl="0" indent="0">
-              <a:buNone/>
-            </a:pPr>
-            <a:r>
-              <a:rPr lang="en-US" sz="1400" dirty="0">
-                <a:latin typeface="+mn-lt"/>
-              </a:rPr>
-              <a:t>*</a:t>
-            </a:r>
+            <a:pPr marL="285750" lvl="0" indent="-285750">
+              <a:buFont typeface="Wingdings" panose="05000000000000000000" pitchFamily="2" charset="2"/>
+              <a:buChar char="Ø"/>
+            </a:pPr>
             <a:r>
               <a:rPr lang="en-US" sz="1400" dirty="0" err="1">
                 <a:latin typeface="+mn-lt"/>
@@ -14479,7 +14722,7 @@
             </a:pPr>
             <a:fld id="{00000000-1234-1234-1234-123412341234}" type="slidenum">
               <a:rPr lang="en"/>
-              <a:t>11</a:t>
+              <a:t>12</a:t>
             </a:fld>
             <a:endParaRPr/>
           </a:p>
@@ -14493,7 +14736,7 @@
 </p:sld>
 </file>
 
-<file path=ppt/slides/slide12.xml><?xml version="1.0" encoding="utf-8"?>
+<file path=ppt/slides/slide13.xml><?xml version="1.0" encoding="utf-8"?>
 <p:sld xmlns:a="http://schemas.openxmlformats.org/drawingml/2006/main" xmlns:r="http://schemas.openxmlformats.org/officeDocument/2006/relationships" xmlns:p="http://schemas.openxmlformats.org/presentationml/2006/main">
   <p:cSld>
     <p:spTree>
@@ -14522,8 +14765,8 @@
         </p:nvSpPr>
         <p:spPr>
           <a:xfrm>
-            <a:off x="304800" y="0"/>
-            <a:ext cx="5797200" cy="285750"/>
+            <a:off x="244471" y="129168"/>
+            <a:ext cx="4251329" cy="419100"/>
           </a:xfrm>
           <a:prstGeom prst="rect">
             <a:avLst/>
@@ -14545,13 +14788,19 @@
               <a:buNone/>
             </a:pPr>
             <a:r>
-              <a:rPr lang="en-US" dirty="0">
-                <a:latin typeface="Candara" pitchFamily="34" charset="0"/>
+              <a:rPr lang="en-US" sz="2800" dirty="0">
+                <a:solidFill>
+                  <a:schemeClr val="bg2"/>
+                </a:solidFill>
+                <a:latin typeface="Algerian" panose="04020705040A02060702" pitchFamily="82" charset="0"/>
               </a:rPr>
-              <a:t>* Amazon’s AWS Lambda</a:t>
+              <a:t>AMAZON’S AWS Lambda</a:t>
             </a:r>
-            <a:endParaRPr dirty="0">
-              <a:latin typeface="Candara" pitchFamily="34" charset="0"/>
+            <a:endParaRPr sz="2800" dirty="0">
+              <a:solidFill>
+                <a:schemeClr val="bg2"/>
+              </a:solidFill>
+              <a:latin typeface="Algerian" panose="04020705040A02060702" pitchFamily="82" charset="0"/>
             </a:endParaRPr>
           </a:p>
         </p:txBody>
@@ -14568,158 +14817,114 @@
         </p:nvSpPr>
         <p:spPr>
           <a:xfrm>
-            <a:off x="152400" y="285750"/>
-            <a:ext cx="9067800" cy="5029200"/>
+            <a:off x="301082" y="971550"/>
+            <a:ext cx="8428317" cy="4095750"/>
           </a:xfrm>
         </p:spPr>
         <p:txBody>
           <a:bodyPr/>
           <a:lstStyle/>
           <a:p>
-            <a:pPr marL="101600" indent="0">
-              <a:buNone/>
+            <a:pPr algn="just">
+              <a:lnSpc>
+                <a:spcPct val="150000"/>
+              </a:lnSpc>
+              <a:buFont typeface="Wingdings" panose="05000000000000000000" pitchFamily="2" charset="2"/>
+              <a:buChar char="Ø"/>
             </a:pPr>
             <a:r>
               <a:rPr lang="en-US" sz="1400" dirty="0">
-                <a:latin typeface="+mn-lt"/>
+                <a:latin typeface="Arial Rounded MT Bold" panose="020F0704030504030204" pitchFamily="34" charset="0"/>
               </a:rPr>
-              <a:t>Amazon's AWS Lambda was the first </a:t>
+              <a:t>Amazon's AWS Lambda was the first serverless platform, it is a compute service that lets you run code without provisioning or managing servers.</a:t>
             </a:r>
-            <a:r>
-              <a:rPr lang="en-US" sz="1400" dirty="0" err="1">
-                <a:latin typeface="+mn-lt"/>
-              </a:rPr>
-              <a:t>serverless</a:t>
-            </a:r>
+          </a:p>
+          <a:p>
+            <a:pPr algn="just">
+              <a:lnSpc>
+                <a:spcPct val="150000"/>
+              </a:lnSpc>
+              <a:buFont typeface="Wingdings" panose="05000000000000000000" pitchFamily="2" charset="2"/>
+              <a:buChar char="Ø"/>
+            </a:pPr>
             <a:r>
               <a:rPr lang="en-US" sz="1400" dirty="0">
-                <a:latin typeface="+mn-lt"/>
+                <a:latin typeface="Arial Rounded MT Bold" panose="020F0704030504030204" pitchFamily="34" charset="0"/>
               </a:rPr>
-              <a:t> platform, it is a compute service that lets you run code without provisioning or managing servers.</a:t>
+              <a:t>AWS Lambda executes code only when needed and scales automatically, from a few requests per day to thousands per second.</a:t>
             </a:r>
           </a:p>
           <a:p>
-            <a:pPr marL="101600" indent="0">
-              <a:buNone/>
-            </a:pPr>
-            <a:endParaRPr lang="en-US" sz="1400" dirty="0">
-              <a:latin typeface="+mn-lt"/>
-            </a:endParaRPr>
-          </a:p>
-          <a:p>
-            <a:pPr marL="101600" indent="0">
-              <a:buNone/>
+            <a:pPr algn="just">
+              <a:lnSpc>
+                <a:spcPct val="150000"/>
+              </a:lnSpc>
+              <a:buFont typeface="Wingdings" panose="05000000000000000000" pitchFamily="2" charset="2"/>
+              <a:buChar char="Ø"/>
             </a:pPr>
             <a:r>
               <a:rPr lang="en-US" sz="1400" dirty="0">
-                <a:latin typeface="+mn-lt"/>
-              </a:rPr>
-              <a:t>AWS Lambda executes code only when needed and </a:t>
-            </a:r>
-            <a:r>
-              <a:rPr lang="en-US" sz="1400" dirty="0" err="1">
-                <a:latin typeface="+mn-lt"/>
-              </a:rPr>
-              <a:t>scalesautomatically</a:t>
-            </a:r>
-            <a:r>
-              <a:rPr lang="en-US" sz="1400" dirty="0">
-                <a:latin typeface="+mn-lt"/>
-              </a:rPr>
-              <a:t>, from a few requests per day to thousands per second.</a:t>
-            </a:r>
-          </a:p>
-          <a:p>
-            <a:pPr marL="101600" indent="0">
-              <a:buNone/>
-            </a:pPr>
-            <a:endParaRPr lang="en-US" sz="1400" dirty="0">
-              <a:latin typeface="+mn-lt"/>
-            </a:endParaRPr>
-          </a:p>
-          <a:p>
-            <a:pPr marL="101600" indent="0">
-              <a:buNone/>
-            </a:pPr>
-            <a:r>
-              <a:rPr lang="en-US" sz="1400" dirty="0">
-                <a:latin typeface="+mn-lt"/>
+                <a:latin typeface="Arial Rounded MT Bold" panose="020F0704030504030204" pitchFamily="34" charset="0"/>
               </a:rPr>
               <a:t>Pay only for the compute time.</a:t>
             </a:r>
           </a:p>
           <a:p>
-            <a:pPr marL="101600" indent="0">
-              <a:buNone/>
-            </a:pPr>
-            <a:endParaRPr lang="en-US" sz="1400" dirty="0">
-              <a:latin typeface="+mn-lt"/>
-            </a:endParaRPr>
-          </a:p>
-          <a:p>
-            <a:pPr marL="101600" indent="0">
-              <a:buNone/>
+            <a:pPr algn="just">
+              <a:lnSpc>
+                <a:spcPct val="150000"/>
+              </a:lnSpc>
+              <a:buFont typeface="Wingdings" panose="05000000000000000000" pitchFamily="2" charset="2"/>
+              <a:buChar char="Ø"/>
             </a:pPr>
             <a:r>
               <a:rPr lang="en-US" sz="1400" dirty="0">
-                <a:latin typeface="+mn-lt"/>
+                <a:latin typeface="Arial Rounded MT Bold" panose="020F0704030504030204" pitchFamily="34" charset="0"/>
               </a:rPr>
               <a:t>Can run code for virtually any type of application or backend service.</a:t>
             </a:r>
           </a:p>
           <a:p>
-            <a:pPr marL="101600" indent="0">
-              <a:buNone/>
-            </a:pPr>
-            <a:endParaRPr lang="en-US" sz="1400" dirty="0">
-              <a:latin typeface="+mn-lt"/>
-            </a:endParaRPr>
-          </a:p>
-          <a:p>
-            <a:pPr marL="101600" indent="0">
-              <a:buNone/>
+            <a:pPr algn="just">
+              <a:lnSpc>
+                <a:spcPct val="150000"/>
+              </a:lnSpc>
+              <a:buFont typeface="Wingdings" panose="05000000000000000000" pitchFamily="2" charset="2"/>
+              <a:buChar char="Ø"/>
             </a:pPr>
             <a:r>
               <a:rPr lang="en-US" sz="1400" dirty="0">
-                <a:latin typeface="+mn-lt"/>
+                <a:latin typeface="Arial Rounded MT Bold" panose="020F0704030504030204" pitchFamily="34" charset="0"/>
               </a:rPr>
               <a:t>Currently AWS Lambda supports Node.js, Java, C#, Go and Python and PowerShell.</a:t>
             </a:r>
           </a:p>
           <a:p>
-            <a:pPr marL="101600" indent="0">
-              <a:buNone/>
-            </a:pPr>
-            <a:endParaRPr lang="en-US" sz="1400" dirty="0">
-              <a:latin typeface="+mn-lt"/>
-            </a:endParaRPr>
-          </a:p>
-          <a:p>
-            <a:pPr marL="101600" indent="0">
-              <a:buNone/>
+            <a:pPr algn="just">
+              <a:lnSpc>
+                <a:spcPct val="150000"/>
+              </a:lnSpc>
+              <a:buFont typeface="Wingdings" panose="05000000000000000000" pitchFamily="2" charset="2"/>
+              <a:buChar char="Ø"/>
             </a:pPr>
             <a:r>
               <a:rPr lang="en-US" sz="1400" dirty="0">
-                <a:latin typeface="+mn-lt"/>
+                <a:latin typeface="Arial Rounded MT Bold" panose="020F0704030504030204" pitchFamily="34" charset="0"/>
               </a:rPr>
               <a:t>AWS Lambda automatically scales application by running code in response to each trigger.</a:t>
             </a:r>
           </a:p>
           <a:p>
-            <a:pPr marL="101600" indent="0">
-              <a:buNone/>
-            </a:pPr>
-            <a:endParaRPr lang="en-US" sz="1400" dirty="0">
-              <a:latin typeface="+mn-lt"/>
-            </a:endParaRPr>
-          </a:p>
-          <a:p>
-            <a:pPr marL="101600" indent="0">
-              <a:buNone/>
+            <a:pPr algn="just">
+              <a:lnSpc>
+                <a:spcPct val="150000"/>
+              </a:lnSpc>
+              <a:buFont typeface="Wingdings" panose="05000000000000000000" pitchFamily="2" charset="2"/>
+              <a:buChar char="Ø"/>
             </a:pPr>
             <a:r>
               <a:rPr lang="en-US" sz="1400" dirty="0">
-                <a:latin typeface="+mn-lt"/>
+                <a:latin typeface="Arial Rounded MT Bold" panose="020F0704030504030204" pitchFamily="34" charset="0"/>
               </a:rPr>
               <a:t>With AWS Lambda , we are charged for every 100ms.</a:t>
             </a:r>
@@ -14758,7 +14963,7 @@
             </a:pPr>
             <a:fld id="{00000000-1234-1234-1234-123412341234}" type="slidenum">
               <a:rPr lang="en"/>
-              <a:t>12</a:t>
+              <a:t>13</a:t>
             </a:fld>
             <a:endParaRPr/>
           </a:p>
@@ -14787,7 +14992,7 @@
         </p:blipFill>
         <p:spPr bwMode="auto">
           <a:xfrm>
-            <a:off x="7620000" y="4171950"/>
+            <a:off x="8003250" y="129168"/>
             <a:ext cx="933450" cy="838200"/>
           </a:xfrm>
           <a:prstGeom prst="rect">
@@ -14836,7 +15041,7 @@
 </p:sld>
 </file>
 
-<file path=ppt/slides/slide13.xml><?xml version="1.0" encoding="utf-8"?>
+<file path=ppt/slides/slide14.xml><?xml version="1.0" encoding="utf-8"?>
 <p:sld xmlns:a="http://schemas.openxmlformats.org/drawingml/2006/main" xmlns:r="http://schemas.openxmlformats.org/officeDocument/2006/relationships" xmlns:p="http://schemas.openxmlformats.org/presentationml/2006/main">
   <p:cSld>
     <p:spTree>
@@ -14865,8 +15070,8 @@
         </p:nvSpPr>
         <p:spPr>
           <a:xfrm>
-            <a:off x="152400" y="57150"/>
-            <a:ext cx="3587400" cy="457200"/>
+            <a:off x="280638" y="180975"/>
+            <a:ext cx="4800600" cy="457200"/>
           </a:xfrm>
           <a:prstGeom prst="rect">
             <a:avLst/>
@@ -14888,20 +15093,14 @@
               <a:buNone/>
             </a:pPr>
             <a:r>
-              <a:rPr lang="en" sz="2800" dirty="0">
-                <a:latin typeface="Candara" pitchFamily="34" charset="0"/>
+              <a:rPr lang="en-US" sz="2800" dirty="0">
+                <a:solidFill>
+                  <a:schemeClr val="bg2"/>
+                </a:solidFill>
+                <a:latin typeface="Algerian" panose="04020705040A02060702" pitchFamily="82" charset="0"/>
               </a:rPr>
-              <a:t>*</a:t>
+              <a:t>GOOGLE’S CLOUD FUNCTIONS</a:t>
             </a:r>
-            <a:r>
-              <a:rPr lang="en" sz="2000" dirty="0">
-                <a:latin typeface="Candara" pitchFamily="34" charset="0"/>
-              </a:rPr>
-              <a:t>Google’s Cloud Functions</a:t>
-            </a:r>
-            <a:endParaRPr sz="2000" dirty="0">
-              <a:latin typeface="Candara" pitchFamily="34" charset="0"/>
-            </a:endParaRPr>
           </a:p>
         </p:txBody>
       </p:sp>
@@ -14937,7 +15136,7 @@
             </a:pPr>
             <a:fld id="{00000000-1234-1234-1234-123412341234}" type="slidenum">
               <a:rPr lang="en"/>
-              <a:t>13</a:t>
+              <a:t>14</a:t>
             </a:fld>
             <a:endParaRPr/>
           </a:p>
@@ -14951,7 +15150,7 @@
         </p:nvSpPr>
         <p:spPr>
           <a:xfrm>
-            <a:off x="213704" y="735501"/>
+            <a:off x="190500" y="825609"/>
             <a:ext cx="8763000" cy="1815882"/>
           </a:xfrm>
           <a:prstGeom prst="rect">
@@ -14965,59 +15164,113 @@
           </a:bodyPr>
           <a:lstStyle/>
           <a:p>
+            <a:pPr marL="285750" indent="-285750" algn="just">
+              <a:buFont typeface="Wingdings" panose="05000000000000000000" pitchFamily="2" charset="2"/>
+              <a:buChar char="Ø"/>
+            </a:pPr>
             <a:r>
-              <a:rPr lang="en-US" dirty="0"/>
+              <a:rPr lang="en-US" dirty="0">
+                <a:latin typeface="Arial Rounded MT Bold" panose="020F0704030504030204" pitchFamily="34" charset="0"/>
+              </a:rPr>
               <a:t>Google Cloud Functions provides basic </a:t>
             </a:r>
             <a:r>
-              <a:rPr lang="en-US" dirty="0" err="1"/>
+              <a:rPr lang="en-US" dirty="0" err="1">
+                <a:latin typeface="Arial Rounded MT Bold" panose="020F0704030504030204" pitchFamily="34" charset="0"/>
+              </a:rPr>
               <a:t>FaaS</a:t>
             </a:r>
             <a:r>
-              <a:rPr lang="en-US" dirty="0"/>
+              <a:rPr lang="en-US" dirty="0">
+                <a:latin typeface="Arial Rounded MT Bold" panose="020F0704030504030204" pitchFamily="34" charset="0"/>
+              </a:rPr>
               <a:t> functionality to </a:t>
             </a:r>
             <a:r>
-              <a:rPr lang="en-US" dirty="0" err="1"/>
+              <a:rPr lang="en-US" dirty="0" err="1">
+                <a:latin typeface="Arial Rounded MT Bold" panose="020F0704030504030204" pitchFamily="34" charset="0"/>
+              </a:rPr>
               <a:t>runserverless</a:t>
             </a:r>
             <a:r>
-              <a:rPr lang="en-US" dirty="0"/>
+              <a:rPr lang="en-US" dirty="0">
+                <a:latin typeface="Arial Rounded MT Bold" panose="020F0704030504030204" pitchFamily="34" charset="0"/>
+              </a:rPr>
               <a:t> functions written in Node </a:t>
             </a:r>
             <a:r>
-              <a:rPr lang="en-US" dirty="0" err="1"/>
+              <a:rPr lang="en-US" dirty="0" err="1">
+                <a:latin typeface="Arial Rounded MT Bold" panose="020F0704030504030204" pitchFamily="34" charset="0"/>
+              </a:rPr>
               <a:t>js</a:t>
             </a:r>
             <a:r>
-              <a:rPr lang="en-US" dirty="0"/>
+              <a:rPr lang="en-US" dirty="0">
+                <a:latin typeface="Arial Rounded MT Bold" panose="020F0704030504030204" pitchFamily="34" charset="0"/>
+              </a:rPr>
               <a:t>, Go, Python and Java. </a:t>
             </a:r>
           </a:p>
           <a:p>
-            <a:endParaRPr lang="en-US" dirty="0"/>
-          </a:p>
-          <a:p>
+            <a:pPr marL="285750" indent="-285750" algn="just">
+              <a:buFont typeface="Wingdings" panose="05000000000000000000" pitchFamily="2" charset="2"/>
+              <a:buChar char="Ø"/>
+            </a:pPr>
+            <a:endParaRPr lang="en-US" dirty="0">
+              <a:latin typeface="Arial Rounded MT Bold" panose="020F0704030504030204" pitchFamily="34" charset="0"/>
+            </a:endParaRPr>
+          </a:p>
+          <a:p>
+            <a:pPr marL="285750" indent="-285750" algn="just">
+              <a:buFont typeface="Wingdings" panose="05000000000000000000" pitchFamily="2" charset="2"/>
+              <a:buChar char="Ø"/>
+            </a:pPr>
             <a:r>
-              <a:rPr lang="en-US" dirty="0"/>
+              <a:rPr lang="en-US" dirty="0">
+                <a:latin typeface="Arial Rounded MT Bold" panose="020F0704030504030204" pitchFamily="34" charset="0"/>
+              </a:rPr>
               <a:t>Automatically scales, highly available and fault tolerant.</a:t>
             </a:r>
           </a:p>
           <a:p>
-            <a:endParaRPr lang="en-US" dirty="0"/>
-          </a:p>
-          <a:p>
+            <a:pPr marL="285750" indent="-285750" algn="just">
+              <a:buFont typeface="Wingdings" panose="05000000000000000000" pitchFamily="2" charset="2"/>
+              <a:buChar char="Ø"/>
+            </a:pPr>
+            <a:endParaRPr lang="en-US" dirty="0">
+              <a:latin typeface="Arial Rounded MT Bold" panose="020F0704030504030204" pitchFamily="34" charset="0"/>
+            </a:endParaRPr>
+          </a:p>
+          <a:p>
+            <a:pPr marL="285750" indent="-285750" algn="just">
+              <a:buFont typeface="Wingdings" panose="05000000000000000000" pitchFamily="2" charset="2"/>
+              <a:buChar char="Ø"/>
+            </a:pPr>
             <a:r>
-              <a:rPr lang="en-US" dirty="0"/>
+              <a:rPr lang="en-US" dirty="0">
+                <a:latin typeface="Arial Rounded MT Bold" panose="020F0704030504030204" pitchFamily="34" charset="0"/>
+              </a:rPr>
               <a:t>No servers to provision, manage, or upgrade. </a:t>
             </a:r>
           </a:p>
           <a:p>
-            <a:endParaRPr lang="en-US" dirty="0"/>
-          </a:p>
-          <a:p>
+            <a:pPr marL="285750" indent="-285750" algn="just">
+              <a:buFont typeface="Wingdings" panose="05000000000000000000" pitchFamily="2" charset="2"/>
+              <a:buChar char="Ø"/>
+            </a:pPr>
+            <a:endParaRPr lang="en-US" dirty="0">
+              <a:latin typeface="Arial Rounded MT Bold" panose="020F0704030504030204" pitchFamily="34" charset="0"/>
+            </a:endParaRPr>
+          </a:p>
+          <a:p>
+            <a:pPr marL="285750" indent="-285750" algn="just">
+              <a:buFont typeface="Wingdings" panose="05000000000000000000" pitchFamily="2" charset="2"/>
+              <a:buChar char="Ø"/>
+            </a:pPr>
             <a:r>
-              <a:rPr lang="en-US" dirty="0"/>
+              <a:rPr lang="en-US" dirty="0">
+                <a:latin typeface="Arial Rounded MT Bold" panose="020F0704030504030204" pitchFamily="34" charset="0"/>
+              </a:rPr>
               <a:t>Pay only while your code runs.</a:t>
             </a:r>
           </a:p>
@@ -15159,7 +15412,7 @@
 </p:sld>
 </file>
 
-<file path=ppt/slides/slide14.xml><?xml version="1.0" encoding="utf-8"?>
+<file path=ppt/slides/slide15.xml><?xml version="1.0" encoding="utf-8"?>
 <p:sld xmlns:a="http://schemas.openxmlformats.org/drawingml/2006/main" xmlns:r="http://schemas.openxmlformats.org/officeDocument/2006/relationships" xmlns:p="http://schemas.openxmlformats.org/presentationml/2006/main">
   <p:cSld>
     <p:bg>
@@ -15210,8 +15463,8 @@
         </p:nvSpPr>
         <p:spPr>
           <a:xfrm>
-            <a:off x="228600" y="133350"/>
-            <a:ext cx="3587400" cy="335400"/>
+            <a:off x="266700" y="361950"/>
+            <a:ext cx="5181600" cy="335400"/>
           </a:xfrm>
           <a:prstGeom prst="rect">
             <a:avLst/>
@@ -15223,7 +15476,7 @@
           </a:bodyPr>
           <a:lstStyle/>
           <a:p>
-            <a:pPr marL="0" lvl="0" indent="0" algn="l" rtl="0">
+            <a:pPr marL="0" lvl="0" indent="0" algn="just" rtl="0">
               <a:spcBef>
                 <a:spcPts val="0"/>
               </a:spcBef>
@@ -15233,16 +15486,14 @@
               <a:buNone/>
             </a:pPr>
             <a:r>
-              <a:rPr lang="en-US" sz="2800" dirty="0"/>
-              <a:t>*</a:t>
+              <a:rPr lang="en-US" sz="2800" dirty="0">
+                <a:solidFill>
+                  <a:schemeClr val="bg2"/>
+                </a:solidFill>
+                <a:latin typeface="Algerian" panose="04020705040A02060702" pitchFamily="82" charset="0"/>
+              </a:rPr>
+              <a:t>MICROSOFT AZURE FUNCTIONS</a:t>
             </a:r>
-            <a:r>
-              <a:rPr lang="en-US" sz="2000" dirty="0">
-                <a:latin typeface="Candara" pitchFamily="34" charset="0"/>
-              </a:rPr>
-              <a:t>Microsoft Azure Functions</a:t>
-            </a:r>
-            <a:endParaRPr sz="2800" dirty="0"/>
           </a:p>
         </p:txBody>
       </p:sp>
@@ -15282,7 +15533,7 @@
                   <a:schemeClr val="lt1"/>
                 </a:solidFill>
               </a:rPr>
-              <a:t>14</a:t>
+              <a:t>15</a:t>
             </a:fld>
             <a:endParaRPr>
               <a:solidFill>
@@ -15300,8 +15551,8 @@
         </p:nvSpPr>
         <p:spPr>
           <a:xfrm>
-            <a:off x="304800" y="895350"/>
-            <a:ext cx="8610600" cy="2462213"/>
+            <a:off x="266700" y="1276350"/>
+            <a:ext cx="8610600" cy="1815882"/>
           </a:xfrm>
           <a:prstGeom prst="rect">
             <a:avLst/>
@@ -15314,87 +15565,131 @@
           </a:bodyPr>
           <a:lstStyle/>
           <a:p>
+            <a:pPr marL="285750" indent="-285750" algn="just">
+              <a:buFont typeface="Wingdings" panose="05000000000000000000" pitchFamily="2" charset="2"/>
+              <a:buChar char="Ø"/>
+            </a:pPr>
             <a:r>
-              <a:rPr lang="en-US" dirty="0"/>
+              <a:rPr lang="en-US" dirty="0">
+                <a:latin typeface="Arial Rounded MT Bold" panose="020F0704030504030204" pitchFamily="34" charset="0"/>
+              </a:rPr>
               <a:t>Microsoft Azure Functions provides HTTP </a:t>
             </a:r>
             <a:r>
-              <a:rPr lang="en-US" dirty="0" err="1"/>
+              <a:rPr lang="en-US" dirty="0" err="1">
+                <a:latin typeface="Arial Rounded MT Bold" panose="020F0704030504030204" pitchFamily="34" charset="0"/>
+              </a:rPr>
               <a:t>webhooks</a:t>
             </a:r>
             <a:r>
-              <a:rPr lang="en-US" dirty="0"/>
+              <a:rPr lang="en-US" dirty="0">
+                <a:latin typeface="Arial Rounded MT Bold" panose="020F0704030504030204" pitchFamily="34" charset="0"/>
+              </a:rPr>
               <a:t> </a:t>
             </a:r>
             <a:r>
-              <a:rPr lang="en-US" dirty="0" err="1"/>
+              <a:rPr lang="en-US" dirty="0" err="1">
+                <a:latin typeface="Arial Rounded MT Bold" panose="020F0704030504030204" pitchFamily="34" charset="0"/>
+              </a:rPr>
               <a:t>andintegration</a:t>
             </a:r>
             <a:r>
-              <a:rPr lang="en-US" dirty="0"/>
+              <a:rPr lang="en-US" dirty="0">
+                <a:latin typeface="Arial Rounded MT Bold" panose="020F0704030504030204" pitchFamily="34" charset="0"/>
+              </a:rPr>
               <a:t> with Azure services to run user provided  functions.</a:t>
             </a:r>
           </a:p>
           <a:p>
-            <a:endParaRPr lang="en-US" dirty="0"/>
-          </a:p>
-          <a:p>
-            <a:endParaRPr lang="en-US" dirty="0"/>
-          </a:p>
-          <a:p>
+            <a:pPr algn="just"/>
+            <a:endParaRPr lang="en-US" dirty="0">
+              <a:latin typeface="Arial Rounded MT Bold" panose="020F0704030504030204" pitchFamily="34" charset="0"/>
+            </a:endParaRPr>
+          </a:p>
+          <a:p>
+            <a:pPr marL="285750" indent="-285750" algn="just">
+              <a:buFont typeface="Wingdings" panose="05000000000000000000" pitchFamily="2" charset="2"/>
+              <a:buChar char="Ø"/>
+            </a:pPr>
             <a:r>
-              <a:rPr lang="en-US" dirty="0"/>
+              <a:rPr lang="en-US" dirty="0">
+                <a:latin typeface="Arial Rounded MT Bold" panose="020F0704030504030204" pitchFamily="34" charset="0"/>
+              </a:rPr>
               <a:t>The platform supports C#, F#, Node.js, Python, java and PowerShell.</a:t>
             </a:r>
           </a:p>
           <a:p>
-            <a:endParaRPr lang="en-US" dirty="0"/>
-          </a:p>
-          <a:p>
-            <a:endParaRPr lang="en-US" dirty="0"/>
-          </a:p>
-          <a:p>
+            <a:pPr marL="285750" indent="-285750" algn="just">
+              <a:buFont typeface="Wingdings" panose="05000000000000000000" pitchFamily="2" charset="2"/>
+              <a:buChar char="Ø"/>
+            </a:pPr>
+            <a:endParaRPr lang="en-US" dirty="0">
+              <a:latin typeface="Arial Rounded MT Bold" panose="020F0704030504030204" pitchFamily="34" charset="0"/>
+            </a:endParaRPr>
+          </a:p>
+          <a:p>
+            <a:pPr marL="285750" indent="-285750" algn="just">
+              <a:buFont typeface="Wingdings" panose="05000000000000000000" pitchFamily="2" charset="2"/>
+              <a:buChar char="Ø"/>
+            </a:pPr>
             <a:r>
-              <a:rPr lang="en-US" dirty="0"/>
+              <a:rPr lang="en-US" dirty="0">
+                <a:latin typeface="Arial Rounded MT Bold" panose="020F0704030504030204" pitchFamily="34" charset="0"/>
+              </a:rPr>
               <a:t>Pay only for the time spent running your code with </a:t>
             </a:r>
             <a:r>
-              <a:rPr lang="en-US" dirty="0" err="1"/>
+              <a:rPr lang="en-US" dirty="0" err="1">
+                <a:latin typeface="Arial Rounded MT Bold" panose="020F0704030504030204" pitchFamily="34" charset="0"/>
+              </a:rPr>
               <a:t>Consumptionplan</a:t>
             </a:r>
             <a:r>
-              <a:rPr lang="en-US" dirty="0"/>
+              <a:rPr lang="en-US" dirty="0">
+                <a:latin typeface="Arial Rounded MT Bold" panose="020F0704030504030204" pitchFamily="34" charset="0"/>
+              </a:rPr>
               <a:t>.</a:t>
             </a:r>
           </a:p>
           <a:p>
-            <a:endParaRPr lang="en-US" dirty="0"/>
-          </a:p>
-          <a:p>
+            <a:pPr algn="just"/>
+            <a:endParaRPr lang="en-US" dirty="0">
+              <a:latin typeface="Arial Rounded MT Bold" panose="020F0704030504030204" pitchFamily="34" charset="0"/>
+            </a:endParaRPr>
+          </a:p>
+          <a:p>
+            <a:pPr marL="285750" indent="-285750" algn="just">
+              <a:buFont typeface="Wingdings" panose="05000000000000000000" pitchFamily="2" charset="2"/>
+              <a:buChar char="Ø"/>
+            </a:pPr>
             <a:r>
-              <a:rPr lang="en-US" dirty="0"/>
-              <a:t> </a:t>
-            </a:r>
-          </a:p>
-          <a:p>
-            <a:r>
-              <a:rPr lang="en-US" dirty="0"/>
+              <a:rPr lang="en-US" dirty="0">
+                <a:latin typeface="Arial Rounded MT Bold" panose="020F0704030504030204" pitchFamily="34" charset="0"/>
+              </a:rPr>
               <a:t>The runtime code is open-source and available on </a:t>
             </a:r>
             <a:r>
-              <a:rPr lang="en-US" dirty="0" err="1"/>
+              <a:rPr lang="en-US" dirty="0" err="1">
+                <a:latin typeface="Arial Rounded MT Bold" panose="020F0704030504030204" pitchFamily="34" charset="0"/>
+              </a:rPr>
               <a:t>GitHub</a:t>
             </a:r>
             <a:r>
-              <a:rPr lang="en-US" dirty="0"/>
+              <a:rPr lang="en-US" dirty="0">
+                <a:latin typeface="Arial Rounded MT Bold" panose="020F0704030504030204" pitchFamily="34" charset="0"/>
+              </a:rPr>
               <a:t> under </a:t>
             </a:r>
             <a:r>
-              <a:rPr lang="en-US" dirty="0" err="1"/>
+              <a:rPr lang="en-US" dirty="0" err="1">
+                <a:latin typeface="Arial Rounded MT Bold" panose="020F0704030504030204" pitchFamily="34" charset="0"/>
+              </a:rPr>
               <a:t>anMIT</a:t>
             </a:r>
             <a:r>
-              <a:rPr lang="en-US" dirty="0"/>
+              <a:rPr lang="en-US" dirty="0">
+                <a:latin typeface="Arial Rounded MT Bold" panose="020F0704030504030204" pitchFamily="34" charset="0"/>
+              </a:rPr>
               <a:t> License.</a:t>
             </a:r>
           </a:p>
@@ -15472,7 +15767,7 @@
 </p:sld>
 </file>
 
-<file path=ppt/slides/slide15.xml><?xml version="1.0" encoding="utf-8"?>
+<file path=ppt/slides/slide16.xml><?xml version="1.0" encoding="utf-8"?>
 <p:sld xmlns:a="http://schemas.openxmlformats.org/drawingml/2006/main" xmlns:r="http://schemas.openxmlformats.org/officeDocument/2006/relationships" xmlns:p="http://schemas.openxmlformats.org/presentationml/2006/main">
   <p:cSld>
     <p:spTree>
@@ -15521,7 +15816,7 @@
             </a:pPr>
             <a:fld id="{00000000-1234-1234-1234-123412341234}" type="slidenum">
               <a:rPr lang="en"/>
-              <a:t>15</a:t>
+              <a:t>16</a:t>
             </a:fld>
             <a:endParaRPr/>
           </a:p>
@@ -15539,7 +15834,7 @@
         </p:nvSpPr>
         <p:spPr>
           <a:xfrm>
-            <a:off x="0" y="57150"/>
+            <a:off x="228600" y="209550"/>
             <a:ext cx="7280275" cy="457200"/>
           </a:xfrm>
           <a:prstGeom prst="rect">
@@ -15562,22 +15857,14 @@
               <a:buNone/>
             </a:pPr>
             <a:r>
-              <a:rPr lang="en" sz="2800" dirty="0"/>
-              <a:t>*</a:t>
+              <a:rPr lang="en-US" sz="2800" dirty="0">
+                <a:solidFill>
+                  <a:schemeClr val="bg2"/>
+                </a:solidFill>
+                <a:latin typeface="Algerian" panose="04020705040A02060702" pitchFamily="82" charset="0"/>
+              </a:rPr>
+              <a:t>IMB CLOUD FUNCTIONS (OPENWHISK)</a:t>
             </a:r>
-            <a:r>
-              <a:rPr lang="en" sz="2000" dirty="0"/>
-              <a:t> </a:t>
-            </a:r>
-            <a:r>
-              <a:rPr lang="en" sz="2000" dirty="0">
-                <a:latin typeface="Candara" pitchFamily="34" charset="0"/>
-              </a:rPr>
-              <a:t>IMB Cloud Functions (OpenWhisk)</a:t>
-            </a:r>
-            <a:endParaRPr sz="2000" dirty="0">
-              <a:latin typeface="Candara" pitchFamily="34" charset="0"/>
-            </a:endParaRPr>
           </a:p>
         </p:txBody>
       </p:sp>
@@ -15593,8 +15880,8 @@
         </p:nvSpPr>
         <p:spPr>
           <a:xfrm>
-            <a:off x="0" y="735013"/>
-            <a:ext cx="8610600" cy="3041650"/>
+            <a:off x="228600" y="1337838"/>
+            <a:ext cx="8610600" cy="2590801"/>
           </a:xfrm>
           <a:prstGeom prst="rect">
             <a:avLst/>
@@ -15606,188 +15893,150 @@
           </a:bodyPr>
           <a:lstStyle/>
           <a:p>
-            <a:pPr marL="0" lvl="0" indent="0">
-              <a:buNone/>
+            <a:pPr marL="285750" lvl="0" indent="-285750" algn="just">
+              <a:buFont typeface="Wingdings" panose="05000000000000000000" pitchFamily="2" charset="2"/>
+              <a:buChar char="Ø"/>
             </a:pPr>
             <a:r>
-              <a:rPr lang="en-US" sz="1600" dirty="0">
+              <a:rPr lang="en-US" sz="1400" dirty="0">
                 <a:solidFill>
                   <a:schemeClr val="tx1"/>
                 </a:solidFill>
-                <a:latin typeface="+mn-lt"/>
+                <a:latin typeface="Arial Rounded MT Bold" panose="020F0704030504030204" pitchFamily="34" charset="0"/>
               </a:rPr>
               <a:t>IMB Open Whisk provides event-based </a:t>
             </a:r>
             <a:r>
-              <a:rPr lang="en-US" sz="1600" dirty="0" err="1">
+              <a:rPr lang="en-US" sz="1400" dirty="0" err="1">
                 <a:solidFill>
                   <a:schemeClr val="tx1"/>
                 </a:solidFill>
-                <a:latin typeface="+mn-lt"/>
+                <a:latin typeface="Arial Rounded MT Bold" panose="020F0704030504030204" pitchFamily="34" charset="0"/>
               </a:rPr>
               <a:t>serverless</a:t>
-            </a:r>
-            <a:r>
-              <a:rPr lang="en-US" sz="1600" dirty="0">
-                <a:solidFill>
-                  <a:schemeClr val="tx1"/>
-                </a:solidFill>
-                <a:latin typeface="+mn-lt"/>
-              </a:rPr>
-              <a:t> programming with the ability to chain </a:t>
-            </a:r>
-            <a:r>
-              <a:rPr lang="en-US" sz="1600" dirty="0" err="1">
-                <a:solidFill>
-                  <a:schemeClr val="tx1"/>
-                </a:solidFill>
-                <a:latin typeface="+mn-lt"/>
-              </a:rPr>
-              <a:t>serverless</a:t>
-            </a:r>
-            <a:r>
-              <a:rPr lang="en-US" sz="1600" dirty="0">
-                <a:solidFill>
-                  <a:schemeClr val="tx1"/>
-                </a:solidFill>
-                <a:latin typeface="+mn-lt"/>
-              </a:rPr>
-              <a:t> functions to create composite functions.</a:t>
-            </a:r>
-          </a:p>
-          <a:p>
-            <a:pPr marL="0" lvl="0" indent="0">
-              <a:buNone/>
-            </a:pPr>
-            <a:r>
-              <a:rPr lang="en-US" sz="1600" dirty="0">
-                <a:solidFill>
-                  <a:schemeClr val="tx1"/>
-                </a:solidFill>
-                <a:latin typeface="+mn-lt"/>
-              </a:rPr>
-              <a:t> </a:t>
-            </a:r>
-          </a:p>
-          <a:p>
-            <a:pPr marL="0" lvl="0" indent="0">
-              <a:buNone/>
-            </a:pPr>
-            <a:endParaRPr lang="en-US" sz="1600" dirty="0">
-              <a:solidFill>
-                <a:schemeClr val="tx1"/>
-              </a:solidFill>
-              <a:latin typeface="+mn-lt"/>
-            </a:endParaRPr>
-          </a:p>
-          <a:p>
-            <a:pPr marL="0" lvl="0" indent="0">
-              <a:buNone/>
-            </a:pPr>
-            <a:r>
-              <a:rPr lang="en-US" sz="1600" dirty="0">
-                <a:solidFill>
-                  <a:schemeClr val="tx1"/>
-                </a:solidFill>
-                <a:latin typeface="+mn-lt"/>
-              </a:rPr>
-              <a:t>It supports Node.js, Java, Swift, Python, as well as arbitrary binaries embedded in a </a:t>
-            </a:r>
-            <a:r>
-              <a:rPr lang="en-US" sz="1600" dirty="0" err="1">
-                <a:solidFill>
-                  <a:schemeClr val="tx1"/>
-                </a:solidFill>
-                <a:latin typeface="+mn-lt"/>
-              </a:rPr>
-              <a:t>Docker</a:t>
-            </a:r>
-            <a:r>
-              <a:rPr lang="en-US" sz="1600" dirty="0">
-                <a:solidFill>
-                  <a:schemeClr val="tx1"/>
-                </a:solidFill>
-                <a:latin typeface="+mn-lt"/>
-              </a:rPr>
-              <a:t>    container.</a:t>
-            </a:r>
-          </a:p>
-          <a:p>
-            <a:pPr marL="0" lvl="0" indent="0">
-              <a:buNone/>
-            </a:pPr>
-            <a:endParaRPr lang="en-US" sz="1600" dirty="0">
-              <a:solidFill>
-                <a:schemeClr val="tx1"/>
-              </a:solidFill>
-              <a:latin typeface="+mn-lt"/>
-            </a:endParaRPr>
-          </a:p>
-          <a:p>
-            <a:pPr marL="0" lvl="0" indent="0">
-              <a:buNone/>
-            </a:pPr>
-            <a:endParaRPr lang="en-US" sz="1600" dirty="0">
-              <a:solidFill>
-                <a:schemeClr val="tx1"/>
-              </a:solidFill>
-              <a:latin typeface="+mn-lt"/>
-            </a:endParaRPr>
-          </a:p>
-          <a:p>
-            <a:pPr marL="0" lvl="0" indent="0">
-              <a:buNone/>
-            </a:pPr>
-            <a:r>
-              <a:rPr lang="en-US" sz="1600" dirty="0">
-                <a:solidFill>
-                  <a:schemeClr val="tx1"/>
-                </a:solidFill>
-                <a:latin typeface="+mn-lt"/>
-              </a:rPr>
-              <a:t>Open Whisk is available on </a:t>
-            </a:r>
-            <a:r>
-              <a:rPr lang="en-US" sz="1600" dirty="0" err="1">
-                <a:solidFill>
-                  <a:schemeClr val="tx1"/>
-                </a:solidFill>
-                <a:latin typeface="+mn-lt"/>
-              </a:rPr>
-              <a:t>GitHub</a:t>
-            </a:r>
-            <a:r>
-              <a:rPr lang="en-US" sz="1600" dirty="0">
-                <a:solidFill>
-                  <a:schemeClr val="tx1"/>
-                </a:solidFill>
-                <a:latin typeface="+mn-lt"/>
-              </a:rPr>
-              <a:t> under an </a:t>
             </a:r>
             <a:r>
               <a:rPr lang="en-US" sz="1400" dirty="0">
                 <a:solidFill>
                   <a:schemeClr val="tx1"/>
                 </a:solidFill>
-                <a:latin typeface="+mn-lt"/>
+                <a:latin typeface="Arial Rounded MT Bold" panose="020F0704030504030204" pitchFamily="34" charset="0"/>
               </a:rPr>
-              <a:t>Apache</a:t>
+              <a:t> programming with the ability to chain </a:t>
             </a:r>
             <a:r>
-              <a:rPr lang="en-US" sz="1600" dirty="0">
+              <a:rPr lang="en-US" sz="1400" dirty="0" err="1">
                 <a:solidFill>
                   <a:schemeClr val="tx1"/>
                 </a:solidFill>
-                <a:latin typeface="+mn-lt"/>
+                <a:latin typeface="Arial Rounded MT Bold" panose="020F0704030504030204" pitchFamily="34" charset="0"/>
               </a:rPr>
-              <a:t> open source license.</a:t>
+              <a:t>serverless</a:t>
             </a:r>
-            <a:endParaRPr sz="1600" dirty="0">
+            <a:r>
+              <a:rPr lang="en-US" sz="1400" dirty="0">
+                <a:solidFill>
+                  <a:schemeClr val="tx1"/>
+                </a:solidFill>
+                <a:latin typeface="Arial Rounded MT Bold" panose="020F0704030504030204" pitchFamily="34" charset="0"/>
+              </a:rPr>
+              <a:t> functions to create composite functions.</a:t>
+            </a:r>
+          </a:p>
+          <a:p>
+            <a:pPr marL="285750" lvl="0" indent="-285750" algn="just">
+              <a:buFont typeface="Wingdings" panose="05000000000000000000" pitchFamily="2" charset="2"/>
+              <a:buChar char="Ø"/>
+            </a:pPr>
+            <a:endParaRPr lang="en-US" sz="1400" dirty="0">
               <a:solidFill>
                 <a:schemeClr val="tx1"/>
               </a:solidFill>
-              <a:latin typeface="+mn-lt"/>
+              <a:latin typeface="Arial Rounded MT Bold" panose="020F0704030504030204" pitchFamily="34" charset="0"/>
+            </a:endParaRPr>
+          </a:p>
+          <a:p>
+            <a:pPr marL="285750" lvl="0" indent="-285750" algn="just">
+              <a:buFont typeface="Wingdings" panose="05000000000000000000" pitchFamily="2" charset="2"/>
+              <a:buChar char="Ø"/>
+            </a:pPr>
+            <a:r>
+              <a:rPr lang="en-US" sz="1400" dirty="0">
+                <a:solidFill>
+                  <a:schemeClr val="tx1"/>
+                </a:solidFill>
+                <a:latin typeface="Arial Rounded MT Bold" panose="020F0704030504030204" pitchFamily="34" charset="0"/>
+              </a:rPr>
+              <a:t>It supports Node.js, Java, Swift, Python, as well as arbitrary binaries embedded in a </a:t>
+            </a:r>
+            <a:r>
+              <a:rPr lang="en-US" sz="1400" dirty="0" err="1">
+                <a:solidFill>
+                  <a:schemeClr val="tx1"/>
+                </a:solidFill>
+                <a:latin typeface="Arial Rounded MT Bold" panose="020F0704030504030204" pitchFamily="34" charset="0"/>
+              </a:rPr>
+              <a:t>Docker</a:t>
+            </a:r>
+            <a:r>
+              <a:rPr lang="en-US" sz="1400" dirty="0">
+                <a:solidFill>
+                  <a:schemeClr val="tx1"/>
+                </a:solidFill>
+                <a:latin typeface="Arial Rounded MT Bold" panose="020F0704030504030204" pitchFamily="34" charset="0"/>
+              </a:rPr>
+              <a:t>    container.</a:t>
+            </a:r>
+          </a:p>
+          <a:p>
+            <a:pPr marL="285750" lvl="0" indent="-285750" algn="just">
+              <a:buFont typeface="Wingdings" panose="05000000000000000000" pitchFamily="2" charset="2"/>
+              <a:buChar char="Ø"/>
+            </a:pPr>
+            <a:endParaRPr lang="en-US" sz="1400" dirty="0">
+              <a:solidFill>
+                <a:schemeClr val="tx1"/>
+              </a:solidFill>
+              <a:latin typeface="Arial Rounded MT Bold" panose="020F0704030504030204" pitchFamily="34" charset="0"/>
+            </a:endParaRPr>
+          </a:p>
+          <a:p>
+            <a:pPr marL="285750" lvl="0" indent="-285750" algn="just">
+              <a:buFont typeface="Wingdings" panose="05000000000000000000" pitchFamily="2" charset="2"/>
+              <a:buChar char="Ø"/>
+            </a:pPr>
+            <a:r>
+              <a:rPr lang="en-US" sz="1400" dirty="0">
+                <a:solidFill>
+                  <a:schemeClr val="tx1"/>
+                </a:solidFill>
+                <a:latin typeface="Arial Rounded MT Bold" panose="020F0704030504030204" pitchFamily="34" charset="0"/>
+              </a:rPr>
+              <a:t>Open Whisk is available on </a:t>
+            </a:r>
+            <a:r>
+              <a:rPr lang="en-US" sz="1400" dirty="0" err="1">
+                <a:solidFill>
+                  <a:schemeClr val="tx1"/>
+                </a:solidFill>
+                <a:latin typeface="Arial Rounded MT Bold" panose="020F0704030504030204" pitchFamily="34" charset="0"/>
+              </a:rPr>
+              <a:t>GitHub</a:t>
+            </a:r>
+            <a:r>
+              <a:rPr lang="en-US" sz="1400" dirty="0">
+                <a:solidFill>
+                  <a:schemeClr val="tx1"/>
+                </a:solidFill>
+                <a:latin typeface="Arial Rounded MT Bold" panose="020F0704030504030204" pitchFamily="34" charset="0"/>
+              </a:rPr>
+              <a:t> under an Apache open source license.</a:t>
+            </a:r>
+            <a:endParaRPr sz="1400" dirty="0">
+              <a:solidFill>
+                <a:schemeClr val="tx1"/>
+              </a:solidFill>
+              <a:latin typeface="Arial Rounded MT Bold" panose="020F0704030504030204" pitchFamily="34" charset="0"/>
             </a:endParaRPr>
           </a:p>
         </p:txBody>
@@ -15800,7 +16049,7 @@
 </p:sld>
 </file>
 
-<file path=ppt/slides/slide16.xml><?xml version="1.0" encoding="utf-8"?>
+<file path=ppt/slides/slide17.xml><?xml version="1.0" encoding="utf-8"?>
 <p:sld xmlns:a="http://schemas.openxmlformats.org/drawingml/2006/main" xmlns:r="http://schemas.openxmlformats.org/officeDocument/2006/relationships" xmlns:p="http://schemas.openxmlformats.org/presentationml/2006/main">
   <p:cSld>
     <p:spTree>
@@ -15849,7 +16098,7 @@
             </a:pPr>
             <a:fld id="{00000000-1234-1234-1234-123412341234}" type="slidenum">
               <a:rPr lang="en"/>
-              <a:t>16</a:t>
+              <a:t>17</a:t>
             </a:fld>
             <a:endParaRPr/>
           </a:p>
@@ -15867,8 +16116,8 @@
         </p:nvSpPr>
         <p:spPr>
           <a:xfrm>
-            <a:off x="685800" y="819150"/>
-            <a:ext cx="8458200" cy="1758950"/>
+            <a:off x="342900" y="971550"/>
+            <a:ext cx="8458200" cy="2895600"/>
           </a:xfrm>
           <a:prstGeom prst="rect">
             <a:avLst/>
@@ -15880,26 +16129,28 @@
           </a:bodyPr>
           <a:lstStyle/>
           <a:p>
-            <a:pPr marL="0" lvl="0" indent="0">
-              <a:buNone/>
+            <a:pPr marL="285750" lvl="0" indent="-285750" algn="just">
+              <a:buFont typeface="Wingdings" panose="05000000000000000000" pitchFamily="2" charset="2"/>
+              <a:buChar char="Ø"/>
             </a:pPr>
             <a:endParaRPr lang="en-US" sz="1400" dirty="0">
               <a:solidFill>
                 <a:schemeClr val="tx1"/>
               </a:solidFill>
-              <a:latin typeface="+mn-lt"/>
+              <a:latin typeface="Arial Rounded MT Bold" panose="020F0704030504030204" pitchFamily="34" charset="0"/>
             </a:endParaRPr>
           </a:p>
           <a:p>
-            <a:pPr marL="0" lvl="0" indent="0">
-              <a:buNone/>
+            <a:pPr marL="285750" lvl="0" indent="-285750" algn="just">
+              <a:buFont typeface="Wingdings" panose="05000000000000000000" pitchFamily="2" charset="2"/>
+              <a:buChar char="Ø"/>
             </a:pPr>
             <a:r>
               <a:rPr lang="en-US" sz="1400" dirty="0">
                 <a:solidFill>
                   <a:schemeClr val="tx1"/>
                 </a:solidFill>
-                <a:latin typeface="+mn-lt"/>
+                <a:latin typeface="Arial Rounded MT Bold" panose="020F0704030504030204" pitchFamily="34" charset="0"/>
               </a:rPr>
               <a:t>Open Lambda is an open-source </a:t>
             </a:r>
@@ -15908,7 +16159,7 @@
                 <a:solidFill>
                   <a:schemeClr val="tx1"/>
                 </a:solidFill>
-                <a:latin typeface="+mn-lt"/>
+                <a:latin typeface="Arial Rounded MT Bold" panose="020F0704030504030204" pitchFamily="34" charset="0"/>
               </a:rPr>
               <a:t>serverless</a:t>
             </a:r>
@@ -15917,97 +16168,61 @@
                 <a:solidFill>
                   <a:schemeClr val="tx1"/>
                 </a:solidFill>
-                <a:latin typeface="+mn-lt"/>
+                <a:latin typeface="Arial Rounded MT Bold" panose="020F0704030504030204" pitchFamily="34" charset="0"/>
               </a:rPr>
-              <a:t> computing platform. The source-code is available in </a:t>
+              <a:t> computing platform. The source-code is available in GitHub under an Apache License.</a:t>
             </a:r>
-            <a:r>
-              <a:rPr lang="en-US" sz="1400" dirty="0" err="1">
-                <a:solidFill>
-                  <a:schemeClr val="tx1"/>
-                </a:solidFill>
-                <a:latin typeface="+mn-lt"/>
-              </a:rPr>
-              <a:t>GitHub</a:t>
-            </a:r>
+          </a:p>
+          <a:p>
+            <a:pPr marL="285750" lvl="0" indent="-285750" algn="just">
+              <a:buFont typeface="Wingdings" panose="05000000000000000000" pitchFamily="2" charset="2"/>
+              <a:buChar char="Ø"/>
+            </a:pPr>
+            <a:endParaRPr lang="en-US" sz="1400" dirty="0">
+              <a:solidFill>
+                <a:schemeClr val="tx1"/>
+              </a:solidFill>
+              <a:latin typeface="Arial Rounded MT Bold" panose="020F0704030504030204" pitchFamily="34" charset="0"/>
+            </a:endParaRPr>
+          </a:p>
+          <a:p>
+            <a:pPr marL="285750" lvl="0" indent="-285750" algn="just">
+              <a:buFont typeface="Wingdings" panose="05000000000000000000" pitchFamily="2" charset="2"/>
+              <a:buChar char="Ø"/>
+            </a:pPr>
             <a:r>
               <a:rPr lang="en-US" sz="1400" dirty="0">
                 <a:solidFill>
                   <a:schemeClr val="tx1"/>
                 </a:solidFill>
-                <a:latin typeface="+mn-lt"/>
+                <a:latin typeface="Arial Rounded MT Bold" panose="020F0704030504030204" pitchFamily="34" charset="0"/>
               </a:rPr>
-              <a:t> under an Apache License.</a:t>
+              <a:t>The Lambda model allows developers to specify functions that run in response to various events.</a:t>
             </a:r>
           </a:p>
           <a:p>
-            <a:pPr marL="0" lvl="0" indent="0">
-              <a:buNone/>
+            <a:pPr marL="285750" lvl="0" indent="-285750" algn="just">
+              <a:buFont typeface="Wingdings" panose="05000000000000000000" pitchFamily="2" charset="2"/>
+              <a:buChar char="Ø"/>
             </a:pPr>
             <a:endParaRPr lang="en-US" sz="1400" dirty="0">
               <a:solidFill>
                 <a:schemeClr val="tx1"/>
               </a:solidFill>
-              <a:latin typeface="+mn-lt"/>
+              <a:latin typeface="Arial Rounded MT Bold" panose="020F0704030504030204" pitchFamily="34" charset="0"/>
             </a:endParaRPr>
           </a:p>
           <a:p>
-            <a:pPr marL="0" lvl="0" indent="0">
-              <a:buNone/>
-            </a:pPr>
-            <a:endParaRPr lang="en-US" sz="1400" dirty="0">
-              <a:solidFill>
-                <a:schemeClr val="tx1"/>
-              </a:solidFill>
-              <a:latin typeface="+mn-lt"/>
-            </a:endParaRPr>
-          </a:p>
-          <a:p>
-            <a:pPr marL="0" lvl="0" indent="0">
-              <a:buNone/>
+            <a:pPr marL="285750" lvl="0" indent="-285750" algn="just">
+              <a:buFont typeface="Wingdings" panose="05000000000000000000" pitchFamily="2" charset="2"/>
+              <a:buChar char="Ø"/>
             </a:pPr>
             <a:r>
               <a:rPr lang="en-US" sz="1400" dirty="0">
                 <a:solidFill>
                   <a:schemeClr val="tx1"/>
                 </a:solidFill>
-                <a:latin typeface="+mn-lt"/>
-              </a:rPr>
-              <a:t>The Lambda model allows developers to specify functions that run in response to various events.</a:t>
-            </a:r>
-          </a:p>
-          <a:p>
-            <a:pPr marL="0" lvl="0" indent="0">
-              <a:buNone/>
-            </a:pPr>
-            <a:endParaRPr lang="en-US" sz="1400" dirty="0">
-              <a:solidFill>
-                <a:schemeClr val="tx1"/>
-              </a:solidFill>
-              <a:latin typeface="+mn-lt"/>
-            </a:endParaRPr>
-          </a:p>
-          <a:p>
-            <a:pPr marL="0" lvl="0" indent="0">
-              <a:buNone/>
-            </a:pPr>
-            <a:endParaRPr lang="en-US" sz="1400" dirty="0">
-              <a:solidFill>
-                <a:schemeClr val="tx1"/>
-              </a:solidFill>
-              <a:latin typeface="+mn-lt"/>
-            </a:endParaRPr>
-          </a:p>
-          <a:p>
-            <a:pPr marL="0" lvl="0" indent="0">
-              <a:buNone/>
-            </a:pPr>
-            <a:r>
-              <a:rPr lang="en-US" sz="1400" dirty="0">
-                <a:solidFill>
-                  <a:schemeClr val="tx1"/>
-                </a:solidFill>
-                <a:latin typeface="+mn-lt"/>
+                <a:latin typeface="Arial Rounded MT Bold" panose="020F0704030504030204" pitchFamily="34" charset="0"/>
               </a:rPr>
               <a:t>Open Lambda will consist of a number of subsystems that will coordinate to run Lambda handlers.</a:t>
             </a:r>
@@ -16015,7 +16230,7 @@
               <a:solidFill>
                 <a:schemeClr val="tx1"/>
               </a:solidFill>
-              <a:latin typeface="+mn-lt"/>
+              <a:latin typeface="Arial Rounded MT Bold" panose="020F0704030504030204" pitchFamily="34" charset="0"/>
             </a:endParaRPr>
           </a:p>
         </p:txBody>
@@ -16029,7 +16244,7 @@
         <p:spPr>
           <a:xfrm>
             <a:off x="228600" y="100340"/>
-            <a:ext cx="1891865" cy="523220"/>
+            <a:ext cx="2571538" cy="523220"/>
           </a:xfrm>
           <a:prstGeom prst="rect">
             <a:avLst/>
@@ -16044,19 +16259,31 @@
           <a:p>
             <a:r>
               <a:rPr lang="en-US" sz="2800" b="1" dirty="0">
-                <a:latin typeface="Candara" pitchFamily="34" charset="0"/>
+                <a:solidFill>
+                  <a:schemeClr val="bg2"/>
+                </a:solidFill>
+                <a:latin typeface="Algerian" panose="04020705040A02060702" pitchFamily="82" charset="0"/>
               </a:rPr>
-              <a:t>*</a:t>
+              <a:t>OPEN</a:t>
             </a:r>
             <a:r>
               <a:rPr lang="en-US" sz="2000" b="1" dirty="0">
+                <a:solidFill>
+                  <a:schemeClr val="bg2"/>
+                </a:solidFill>
                 <a:latin typeface="Candara" pitchFamily="34" charset="0"/>
               </a:rPr>
-              <a:t>Open Lambda</a:t>
+              <a:t> </a:t>
             </a:r>
-            <a:endParaRPr lang="en-US" sz="2800" b="1" dirty="0">
-              <a:latin typeface="Candara" pitchFamily="34" charset="0"/>
-            </a:endParaRPr>
+            <a:r>
+              <a:rPr lang="en-US" sz="2800" b="1" dirty="0">
+                <a:solidFill>
+                  <a:schemeClr val="bg2"/>
+                </a:solidFill>
+                <a:latin typeface="Algerian" panose="04020705040A02060702" pitchFamily="82" charset="0"/>
+              </a:rPr>
+              <a:t>LAMBDA</a:t>
+            </a:r>
           </a:p>
         </p:txBody>
       </p:sp>
@@ -16068,7 +16295,7 @@
 </p:sld>
 </file>
 
-<file path=ppt/slides/slide17.xml><?xml version="1.0" encoding="utf-8"?>
+<file path=ppt/slides/slide18.xml><?xml version="1.0" encoding="utf-8"?>
 <p:sld xmlns:a="http://schemas.openxmlformats.org/drawingml/2006/main" xmlns:r="http://schemas.openxmlformats.org/officeDocument/2006/relationships" xmlns:p="http://schemas.openxmlformats.org/presentationml/2006/main">
   <p:cSld>
     <p:spTree>
@@ -16097,7 +16324,7 @@
         </p:nvSpPr>
         <p:spPr>
           <a:xfrm>
-            <a:off x="3581400" y="25066"/>
+            <a:off x="246361" y="133350"/>
             <a:ext cx="1666500" cy="558036"/>
           </a:xfrm>
           <a:prstGeom prst="rect">
@@ -16120,14 +16347,14 @@
               <a:buNone/>
             </a:pPr>
             <a:r>
-              <a:rPr lang="en" sz="2800" dirty="0">
-                <a:latin typeface="Candara" pitchFamily="34" charset="0"/>
+              <a:rPr lang="en-US" sz="2800" dirty="0">
+                <a:solidFill>
+                  <a:schemeClr val="bg2"/>
+                </a:solidFill>
+                <a:latin typeface="Algerian" panose="04020705040A02060702" pitchFamily="82" charset="0"/>
               </a:rPr>
-              <a:t>Benefits</a:t>
+              <a:t>BENEFITS</a:t>
             </a:r>
-            <a:endParaRPr sz="2800" dirty="0">
-              <a:latin typeface="Candara" pitchFamily="34" charset="0"/>
-            </a:endParaRPr>
           </a:p>
         </p:txBody>
       </p:sp>
@@ -16163,7 +16390,7 @@
             </a:pPr>
             <a:fld id="{00000000-1234-1234-1234-123412341234}" type="slidenum">
               <a:rPr lang="en"/>
-              <a:t>17</a:t>
+              <a:t>18</a:t>
             </a:fld>
             <a:endParaRPr/>
           </a:p>
@@ -16178,7 +16405,7 @@
         <p:spPr>
           <a:xfrm>
             <a:off x="246361" y="971550"/>
-            <a:ext cx="8686800" cy="2893100"/>
+            <a:ext cx="8686800" cy="3323987"/>
           </a:xfrm>
           <a:prstGeom prst="rect">
             <a:avLst/>
@@ -16190,76 +16417,152 @@
           </a:bodyPr>
           <a:lstStyle/>
           <a:p>
+            <a:pPr marL="285750" indent="-285750" algn="just">
+              <a:buFont typeface="Wingdings" panose="05000000000000000000" pitchFamily="2" charset="2"/>
+              <a:buChar char="Ø"/>
+            </a:pPr>
             <a:r>
-              <a:rPr lang="en-US" dirty="0"/>
+              <a:rPr lang="en-US" dirty="0">
+                <a:latin typeface="Arial Rounded MT Bold" panose="020F0704030504030204" pitchFamily="34" charset="0"/>
+              </a:rPr>
               <a:t>Compared to </a:t>
             </a:r>
             <a:r>
-              <a:rPr lang="en-US" dirty="0" err="1"/>
+              <a:rPr lang="en-US" dirty="0" err="1">
+                <a:latin typeface="Arial Rounded MT Bold" panose="020F0704030504030204" pitchFamily="34" charset="0"/>
+              </a:rPr>
               <a:t>laaS</a:t>
             </a:r>
             <a:r>
-              <a:rPr lang="en-US" dirty="0"/>
+              <a:rPr lang="en-US" dirty="0">
+                <a:latin typeface="Arial Rounded MT Bold" panose="020F0704030504030204" pitchFamily="34" charset="0"/>
+              </a:rPr>
               <a:t> platforms, </a:t>
             </a:r>
             <a:r>
-              <a:rPr lang="en-US" dirty="0" err="1"/>
+              <a:rPr lang="en-US" dirty="0" err="1">
+                <a:latin typeface="Arial Rounded MT Bold" panose="020F0704030504030204" pitchFamily="34" charset="0"/>
+              </a:rPr>
               <a:t>serverless</a:t>
             </a:r>
             <a:r>
-              <a:rPr lang="en-US" dirty="0"/>
+              <a:rPr lang="en-US" dirty="0">
+                <a:latin typeface="Arial Rounded MT Bold" panose="020F0704030504030204" pitchFamily="34" charset="0"/>
+              </a:rPr>
               <a:t> architectures offer different tradeoffs in </a:t>
             </a:r>
             <a:r>
-              <a:rPr lang="en-US" dirty="0" err="1"/>
+              <a:rPr lang="en-US" dirty="0" err="1">
+                <a:latin typeface="Arial Rounded MT Bold" panose="020F0704030504030204" pitchFamily="34" charset="0"/>
+              </a:rPr>
               <a:t>termsof</a:t>
             </a:r>
             <a:r>
-              <a:rPr lang="en-US" dirty="0"/>
+              <a:rPr lang="en-US" dirty="0">
+                <a:latin typeface="Arial Rounded MT Bold" panose="020F0704030504030204" pitchFamily="34" charset="0"/>
+              </a:rPr>
               <a:t> control, cost, and flexibility.</a:t>
             </a:r>
           </a:p>
           <a:p>
-            <a:endParaRPr lang="en-US" dirty="0"/>
-          </a:p>
-          <a:p>
-            <a:endParaRPr lang="en-US" dirty="0"/>
-          </a:p>
-          <a:p>
+            <a:pPr marL="285750" indent="-285750" algn="just">
+              <a:buFont typeface="Wingdings" panose="05000000000000000000" pitchFamily="2" charset="2"/>
+              <a:buChar char="Ø"/>
+            </a:pPr>
+            <a:endParaRPr lang="en-US" dirty="0">
+              <a:latin typeface="Arial Rounded MT Bold" panose="020F0704030504030204" pitchFamily="34" charset="0"/>
+            </a:endParaRPr>
+          </a:p>
+          <a:p>
+            <a:pPr marL="285750" indent="-285750" algn="just">
+              <a:buFont typeface="Wingdings" panose="05000000000000000000" pitchFamily="2" charset="2"/>
+              <a:buChar char="Ø"/>
+            </a:pPr>
+            <a:endParaRPr lang="en-US" dirty="0">
+              <a:latin typeface="Arial Rounded MT Bold" panose="020F0704030504030204" pitchFamily="34" charset="0"/>
+            </a:endParaRPr>
+          </a:p>
+          <a:p>
+            <a:pPr marL="285750" indent="-285750" algn="just">
+              <a:buFont typeface="Wingdings" panose="05000000000000000000" pitchFamily="2" charset="2"/>
+              <a:buChar char="Ø"/>
+            </a:pPr>
             <a:r>
-              <a:rPr lang="en-US" dirty="0"/>
+              <a:rPr lang="en-US" dirty="0">
+                <a:latin typeface="Arial Rounded MT Bold" panose="020F0704030504030204" pitchFamily="34" charset="0"/>
+              </a:rPr>
               <a:t>The </a:t>
             </a:r>
             <a:r>
-              <a:rPr lang="en-US" dirty="0" err="1"/>
+              <a:rPr lang="en-US" dirty="0" err="1">
+                <a:latin typeface="Arial Rounded MT Bold" panose="020F0704030504030204" pitchFamily="34" charset="0"/>
+              </a:rPr>
               <a:t>serverless</a:t>
             </a:r>
             <a:r>
-              <a:rPr lang="en-US" dirty="0"/>
+              <a:rPr lang="en-US" dirty="0">
+                <a:latin typeface="Arial Rounded MT Bold" panose="020F0704030504030204" pitchFamily="34" charset="0"/>
+              </a:rPr>
               <a:t> paradigm has advantages for both consumers and providers.</a:t>
             </a:r>
           </a:p>
           <a:p>
-            <a:endParaRPr lang="en-US" dirty="0"/>
-          </a:p>
-          <a:p>
-            <a:endParaRPr lang="en-US" dirty="0"/>
-          </a:p>
-          <a:p>
+            <a:pPr marL="285750" indent="-285750" algn="just">
+              <a:buFont typeface="Wingdings" panose="05000000000000000000" pitchFamily="2" charset="2"/>
+              <a:buChar char="Ø"/>
+            </a:pPr>
+            <a:endParaRPr lang="en-US" dirty="0">
+              <a:latin typeface="Arial Rounded MT Bold" panose="020F0704030504030204" pitchFamily="34" charset="0"/>
+            </a:endParaRPr>
+          </a:p>
+          <a:p>
+            <a:pPr marL="285750" indent="-285750" algn="just">
+              <a:buFont typeface="Wingdings" panose="05000000000000000000" pitchFamily="2" charset="2"/>
+              <a:buChar char="Ø"/>
+            </a:pPr>
+            <a:endParaRPr lang="en-US" dirty="0">
+              <a:latin typeface="Arial Rounded MT Bold" panose="020F0704030504030204" pitchFamily="34" charset="0"/>
+            </a:endParaRPr>
+          </a:p>
+          <a:p>
+            <a:pPr marL="285750" indent="-285750" algn="just">
+              <a:buFont typeface="Wingdings" panose="05000000000000000000" pitchFamily="2" charset="2"/>
+              <a:buChar char="Ø"/>
+            </a:pPr>
             <a:r>
-              <a:rPr lang="en-US" dirty="0"/>
+              <a:rPr lang="en-US" dirty="0">
+                <a:latin typeface="Arial Rounded MT Bold" panose="020F0704030504030204" pitchFamily="34" charset="0"/>
+              </a:rPr>
               <a:t>From the consumer perspective, a cloud developer no longer needs to provision and manage servers, VMs, or containers as the basic computational building block for offering distributed services.</a:t>
             </a:r>
           </a:p>
           <a:p>
-            <a:endParaRPr lang="en-US" dirty="0"/>
-          </a:p>
-          <a:p>
-            <a:endParaRPr lang="en-US" dirty="0"/>
-          </a:p>
-          <a:p>
+            <a:pPr marL="285750" indent="-285750" algn="just">
+              <a:buFont typeface="Wingdings" panose="05000000000000000000" pitchFamily="2" charset="2"/>
+              <a:buChar char="Ø"/>
+            </a:pPr>
+            <a:endParaRPr lang="en-US" dirty="0">
+              <a:latin typeface="Arial Rounded MT Bold" panose="020F0704030504030204" pitchFamily="34" charset="0"/>
+            </a:endParaRPr>
+          </a:p>
+          <a:p>
+            <a:pPr marL="285750" indent="-285750" algn="just">
+              <a:buFont typeface="Wingdings" panose="05000000000000000000" pitchFamily="2" charset="2"/>
+              <a:buChar char="Ø"/>
+            </a:pPr>
+            <a:endParaRPr lang="en-US" dirty="0">
+              <a:latin typeface="Arial Rounded MT Bold" panose="020F0704030504030204" pitchFamily="34" charset="0"/>
+            </a:endParaRPr>
+          </a:p>
+          <a:p>
+            <a:pPr marL="285750" indent="-285750" algn="just">
+              <a:buFont typeface="Wingdings" panose="05000000000000000000" pitchFamily="2" charset="2"/>
+              <a:buChar char="Ø"/>
+            </a:pPr>
             <a:r>
-              <a:rPr lang="en-US" dirty="0"/>
+              <a:rPr lang="en-US" dirty="0">
+                <a:latin typeface="Arial Rounded MT Bold" panose="020F0704030504030204" pitchFamily="34" charset="0"/>
+              </a:rPr>
               <a:t>The stateless programming model gives the provider more control over the software stack, allowing them to, among other things, more transparently deliver security patches and optimize the platform.</a:t>
             </a:r>
           </a:p>
@@ -16273,7 +16576,7 @@
 </p:sld>
 </file>
 
-<file path=ppt/slides/slide18.xml><?xml version="1.0" encoding="utf-8"?>
+<file path=ppt/slides/slide19.xml><?xml version="1.0" encoding="utf-8"?>
 <p:sld xmlns:a="http://schemas.openxmlformats.org/drawingml/2006/main" xmlns:r="http://schemas.openxmlformats.org/officeDocument/2006/relationships" xmlns:p="http://schemas.openxmlformats.org/presentationml/2006/main">
   <p:cSld>
     <p:spTree>
@@ -16302,8 +16605,8 @@
         </p:nvSpPr>
         <p:spPr>
           <a:xfrm>
-            <a:off x="3352800" y="133350"/>
-            <a:ext cx="2133600" cy="457200"/>
+            <a:off x="304800" y="219593"/>
+            <a:ext cx="2514600" cy="457200"/>
           </a:xfrm>
           <a:prstGeom prst="rect">
             <a:avLst/>
@@ -16325,14 +16628,14 @@
               <a:buNone/>
             </a:pPr>
             <a:r>
-              <a:rPr lang="en" sz="2800" dirty="0">
-                <a:latin typeface="Candara" pitchFamily="34" charset="0"/>
+              <a:rPr lang="en-US" sz="2800" dirty="0">
+                <a:solidFill>
+                  <a:schemeClr val="bg2"/>
+                </a:solidFill>
+                <a:latin typeface="Algerian" panose="04020705040A02060702" pitchFamily="82" charset="0"/>
               </a:rPr>
-              <a:t>Drawbacks</a:t>
+              <a:t>DRAWBACKS</a:t>
             </a:r>
-            <a:endParaRPr sz="2800" dirty="0">
-              <a:latin typeface="Candara" pitchFamily="34" charset="0"/>
-            </a:endParaRPr>
           </a:p>
         </p:txBody>
       </p:sp>
@@ -16356,92 +16659,75 @@
           <a:bodyPr/>
           <a:lstStyle/>
           <a:p>
-            <a:pPr marL="127000" indent="0">
-              <a:buNone/>
+            <a:pPr marL="127000" indent="0" algn="just">
+              <a:buNone/>
+            </a:pPr>
+            <a:endParaRPr lang="en-US" sz="1400" dirty="0">
+              <a:latin typeface="Arial Rounded MT Bold" panose="020F0704030504030204" pitchFamily="34" charset="0"/>
+            </a:endParaRPr>
+          </a:p>
+          <a:p>
+            <a:pPr algn="just">
+              <a:buFont typeface="Wingdings" panose="05000000000000000000" pitchFamily="2" charset="2"/>
+              <a:buChar char="Ø"/>
             </a:pPr>
             <a:r>
               <a:rPr lang="en-US" sz="1400" dirty="0">
-                <a:latin typeface="+mn-lt"/>
-              </a:rPr>
-              <a:t> </a:t>
-            </a:r>
-          </a:p>
-          <a:p>
-            <a:pPr marL="127000" indent="0">
-              <a:buNone/>
-            </a:pPr>
-            <a:r>
-              <a:rPr lang="en-US" sz="1400" dirty="0">
-                <a:latin typeface="+mn-lt"/>
+                <a:latin typeface="Arial Rounded MT Bold" panose="020F0704030504030204" pitchFamily="34" charset="0"/>
               </a:rPr>
               <a:t>However, drawbacks to both consumers and providers.</a:t>
             </a:r>
           </a:p>
           <a:p>
-            <a:pPr marL="127000" indent="0">
-              <a:buNone/>
+            <a:pPr algn="just">
+              <a:buFont typeface="Wingdings" panose="05000000000000000000" pitchFamily="2" charset="2"/>
+              <a:buChar char="Ø"/>
             </a:pPr>
             <a:endParaRPr lang="en-US" sz="1400" dirty="0">
-              <a:latin typeface="+mn-lt"/>
+              <a:latin typeface="Arial Rounded MT Bold" panose="020F0704030504030204" pitchFamily="34" charset="0"/>
             </a:endParaRPr>
           </a:p>
           <a:p>
-            <a:pPr marL="127000" indent="0">
-              <a:buNone/>
-            </a:pPr>
-            <a:endParaRPr lang="en-US" sz="1400" dirty="0">
-              <a:latin typeface="+mn-lt"/>
-            </a:endParaRPr>
-          </a:p>
-          <a:p>
-            <a:pPr marL="127000" indent="0">
-              <a:buNone/>
+            <a:pPr algn="just">
+              <a:buFont typeface="Wingdings" panose="05000000000000000000" pitchFamily="2" charset="2"/>
+              <a:buChar char="Ø"/>
             </a:pPr>
             <a:r>
               <a:rPr lang="en-US" sz="1400" dirty="0">
-                <a:latin typeface="+mn-lt"/>
+                <a:latin typeface="Arial Rounded MT Bold" panose="020F0704030504030204" pitchFamily="34" charset="0"/>
               </a:rPr>
               <a:t>For consumers, the </a:t>
             </a:r>
             <a:r>
               <a:rPr lang="en-US" sz="1400" dirty="0" err="1">
-                <a:latin typeface="+mn-lt"/>
+                <a:latin typeface="Arial Rounded MT Bold" panose="020F0704030504030204" pitchFamily="34" charset="0"/>
               </a:rPr>
               <a:t>FaaS</a:t>
             </a:r>
             <a:r>
               <a:rPr lang="en-US" sz="1400" dirty="0">
-                <a:latin typeface="+mn-lt"/>
+                <a:latin typeface="Arial Rounded MT Bold" panose="020F0704030504030204" pitchFamily="34" charset="0"/>
               </a:rPr>
               <a:t> model offered by the platform may be too constraining for some applications.</a:t>
             </a:r>
           </a:p>
           <a:p>
-            <a:pPr marL="127000" indent="0">
-              <a:buNone/>
+            <a:pPr algn="just">
+              <a:buFont typeface="Wingdings" panose="05000000000000000000" pitchFamily="2" charset="2"/>
+              <a:buChar char="Ø"/>
             </a:pPr>
             <a:endParaRPr lang="en-US" sz="1400" dirty="0">
-              <a:latin typeface="+mn-lt"/>
+              <a:latin typeface="Arial Rounded MT Bold" panose="020F0704030504030204" pitchFamily="34" charset="0"/>
             </a:endParaRPr>
           </a:p>
           <a:p>
-            <a:pPr marL="127000" indent="0">
-              <a:buNone/>
+            <a:pPr algn="just">
+              <a:buFont typeface="Wingdings" panose="05000000000000000000" pitchFamily="2" charset="2"/>
+              <a:buChar char="Ø"/>
             </a:pPr>
             <a:r>
               <a:rPr lang="en-US" sz="1400" dirty="0">
-                <a:latin typeface="+mn-lt"/>
-              </a:rPr>
-              <a:t> </a:t>
-            </a:r>
-          </a:p>
-          <a:p>
-            <a:pPr marL="127000" indent="0">
-              <a:buNone/>
-            </a:pPr>
-            <a:r>
-              <a:rPr lang="en-US" sz="1400" dirty="0">
-                <a:latin typeface="+mn-lt"/>
+                <a:latin typeface="Arial Rounded MT Bold" panose="020F0704030504030204" pitchFamily="34" charset="0"/>
               </a:rPr>
               <a:t>For the provider, there is now a need to manage issues such as the lifecycle of the user's functions, scalability, and fault tolerance in an application-agnostic manner.</a:t>
             </a:r>
@@ -16480,7 +16766,7 @@
             </a:pPr>
             <a:fld id="{00000000-1234-1234-1234-123412341234}" type="slidenum">
               <a:rPr lang="en"/>
-              <a:t>18</a:t>
+              <a:t>19</a:t>
             </a:fld>
             <a:endParaRPr/>
           </a:p>
@@ -16494,7 +16780,263 @@
 </p:sld>
 </file>
 
-<file path=ppt/slides/slide19.xml><?xml version="1.0" encoding="utf-8"?>
+<file path=ppt/slides/slide2.xml><?xml version="1.0" encoding="utf-8"?>
+<p:sld xmlns:a="http://schemas.openxmlformats.org/drawingml/2006/main" xmlns:r="http://schemas.openxmlformats.org/officeDocument/2006/relationships" xmlns:p="http://schemas.openxmlformats.org/presentationml/2006/main">
+  <p:cSld>
+    <p:spTree>
+      <p:nvGrpSpPr>
+        <p:cNvPr id="1" name="Shape 315"/>
+        <p:cNvGrpSpPr/>
+        <p:nvPr/>
+      </p:nvGrpSpPr>
+      <p:grpSpPr>
+        <a:xfrm>
+          <a:off x="0" y="0"/>
+          <a:ext cx="0" cy="0"/>
+          <a:chOff x="0" y="0"/>
+          <a:chExt cx="0" cy="0"/>
+        </a:xfrm>
+      </p:grpSpPr>
+      <p:sp>
+        <p:nvSpPr>
+          <p:cNvPr id="316" name="Google Shape;316;p13"/>
+          <p:cNvSpPr txBox="1">
+            <a:spLocks noGrp="1"/>
+          </p:cNvSpPr>
+          <p:nvPr>
+            <p:ph type="title"/>
+          </p:nvPr>
+        </p:nvSpPr>
+        <p:spPr>
+          <a:xfrm>
+            <a:off x="228600" y="209550"/>
+            <a:ext cx="1676400" cy="399600"/>
+          </a:xfrm>
+          <a:prstGeom prst="rect">
+            <a:avLst/>
+          </a:prstGeom>
+        </p:spPr>
+        <p:txBody>
+          <a:bodyPr spcFirstLastPara="1" wrap="square" lIns="0" tIns="0" rIns="0" bIns="0" anchor="b" anchorCtr="0">
+            <a:noAutofit/>
+          </a:bodyPr>
+          <a:lstStyle/>
+          <a:p>
+            <a:pPr marL="0" lvl="0" indent="0" algn="ctr" rtl="0">
+              <a:spcBef>
+                <a:spcPts val="0"/>
+              </a:spcBef>
+              <a:spcAft>
+                <a:spcPts val="0"/>
+              </a:spcAft>
+              <a:buNone/>
+            </a:pPr>
+            <a:r>
+              <a:rPr lang="en-US" sz="2800" dirty="0">
+                <a:solidFill>
+                  <a:schemeClr val="tx2">
+                    <a:lumMod val="50000"/>
+                  </a:schemeClr>
+                </a:solidFill>
+                <a:latin typeface="Algerian" panose="04020705040A02060702" pitchFamily="82" charset="0"/>
+              </a:rPr>
+              <a:t>AGENDA</a:t>
+            </a:r>
+            <a:endParaRPr sz="2800" dirty="0">
+              <a:solidFill>
+                <a:schemeClr val="tx2">
+                  <a:lumMod val="50000"/>
+                </a:schemeClr>
+              </a:solidFill>
+              <a:latin typeface="Algerian" panose="04020705040A02060702" pitchFamily="82" charset="0"/>
+            </a:endParaRPr>
+          </a:p>
+        </p:txBody>
+      </p:sp>
+      <p:sp>
+        <p:nvSpPr>
+          <p:cNvPr id="318" name="Google Shape;318;p13"/>
+          <p:cNvSpPr txBox="1">
+            <a:spLocks noGrp="1"/>
+          </p:cNvSpPr>
+          <p:nvPr>
+            <p:ph type="body" idx="1"/>
+          </p:nvPr>
+        </p:nvSpPr>
+        <p:spPr>
+          <a:xfrm>
+            <a:off x="2209800" y="905006"/>
+            <a:ext cx="3587400" cy="3724144"/>
+          </a:xfrm>
+          <a:prstGeom prst="rect">
+            <a:avLst/>
+          </a:prstGeom>
+        </p:spPr>
+        <p:txBody>
+          <a:bodyPr spcFirstLastPara="1" wrap="square" lIns="0" tIns="0" rIns="0" bIns="0" anchor="t" anchorCtr="0">
+            <a:noAutofit/>
+          </a:bodyPr>
+          <a:lstStyle/>
+          <a:p>
+            <a:pPr marL="285750" indent="-285750">
+              <a:buClr>
+                <a:schemeClr val="dk1"/>
+              </a:buClr>
+              <a:buSzPts val="1100"/>
+            </a:pPr>
+            <a:r>
+              <a:rPr lang="en-US" sz="1600" dirty="0">
+                <a:latin typeface="Arial Rounded MT Bold" panose="020F0704030504030204" pitchFamily="34" charset="0"/>
+                <a:ea typeface="Calibri Light" panose="020F0302020204030204" pitchFamily="34" charset="0"/>
+                <a:cs typeface="Calibri Light" panose="020F0302020204030204" pitchFamily="34" charset="0"/>
+              </a:rPr>
+              <a:t>Introduction</a:t>
+            </a:r>
+          </a:p>
+          <a:p>
+            <a:pPr marL="285750" indent="-285750">
+              <a:buClr>
+                <a:schemeClr val="dk1"/>
+              </a:buClr>
+              <a:buSzPts val="1100"/>
+            </a:pPr>
+            <a:r>
+              <a:rPr lang="en-US" sz="1600" dirty="0">
+                <a:latin typeface="Arial Rounded MT Bold" panose="020F0704030504030204" pitchFamily="34" charset="0"/>
+                <a:ea typeface="Calibri Light" panose="020F0302020204030204" pitchFamily="34" charset="0"/>
+                <a:cs typeface="Calibri Light" panose="020F0302020204030204" pitchFamily="34" charset="0"/>
+              </a:rPr>
+              <a:t>What is Serverless</a:t>
+            </a:r>
+          </a:p>
+          <a:p>
+            <a:pPr marL="285750" indent="-285750">
+              <a:buClr>
+                <a:schemeClr val="dk1"/>
+              </a:buClr>
+              <a:buSzPts val="1100"/>
+            </a:pPr>
+            <a:r>
+              <a:rPr lang="en-US" sz="1600" dirty="0">
+                <a:latin typeface="Arial Rounded MT Bold" panose="020F0704030504030204" pitchFamily="34" charset="0"/>
+                <a:ea typeface="Calibri Light" panose="020F0302020204030204" pitchFamily="34" charset="0"/>
+                <a:cs typeface="Calibri Light" panose="020F0302020204030204" pitchFamily="34" charset="0"/>
+              </a:rPr>
+              <a:t>Architecture</a:t>
+            </a:r>
+          </a:p>
+          <a:p>
+            <a:pPr marL="285750" indent="-285750">
+              <a:buClr>
+                <a:schemeClr val="dk1"/>
+              </a:buClr>
+              <a:buSzPts val="1100"/>
+            </a:pPr>
+            <a:r>
+              <a:rPr lang="en-US" sz="1600" dirty="0">
+                <a:latin typeface="Arial Rounded MT Bold" panose="020F0704030504030204" pitchFamily="34" charset="0"/>
+                <a:ea typeface="Calibri Light" panose="020F0302020204030204" pitchFamily="34" charset="0"/>
+                <a:cs typeface="Calibri Light" panose="020F0302020204030204" pitchFamily="34" charset="0"/>
+              </a:rPr>
+              <a:t>Characteristics</a:t>
+            </a:r>
+          </a:p>
+          <a:p>
+            <a:pPr marL="285750" indent="-285750">
+              <a:buClr>
+                <a:schemeClr val="dk1"/>
+              </a:buClr>
+              <a:buSzPts val="1100"/>
+            </a:pPr>
+            <a:r>
+              <a:rPr lang="en-US" sz="1600" dirty="0">
+                <a:latin typeface="Arial Rounded MT Bold" panose="020F0704030504030204" pitchFamily="34" charset="0"/>
+                <a:ea typeface="Calibri Light" panose="020F0302020204030204" pitchFamily="34" charset="0"/>
+                <a:cs typeface="Calibri Light" panose="020F0302020204030204" pitchFamily="34" charset="0"/>
+              </a:rPr>
+              <a:t>Commercial Platform</a:t>
+            </a:r>
+          </a:p>
+          <a:p>
+            <a:pPr marL="285750" indent="-285750">
+              <a:buClr>
+                <a:schemeClr val="dk1"/>
+              </a:buClr>
+              <a:buSzPts val="1100"/>
+            </a:pPr>
+            <a:r>
+              <a:rPr lang="en-US" sz="1600" dirty="0">
+                <a:latin typeface="Arial Rounded MT Bold" panose="020F0704030504030204" pitchFamily="34" charset="0"/>
+                <a:ea typeface="Calibri Light" panose="020F0302020204030204" pitchFamily="34" charset="0"/>
+                <a:cs typeface="Calibri Light" panose="020F0302020204030204" pitchFamily="34" charset="0"/>
+              </a:rPr>
+              <a:t>Benefits and Drawbacks</a:t>
+            </a:r>
+          </a:p>
+          <a:p>
+            <a:pPr marL="285750" indent="-285750">
+              <a:buClr>
+                <a:schemeClr val="dk1"/>
+              </a:buClr>
+              <a:buSzPts val="1100"/>
+            </a:pPr>
+            <a:r>
+              <a:rPr lang="en-US" sz="1600" dirty="0">
+                <a:latin typeface="Arial Rounded MT Bold" panose="020F0704030504030204" pitchFamily="34" charset="0"/>
+                <a:ea typeface="Calibri Light" panose="020F0302020204030204" pitchFamily="34" charset="0"/>
+                <a:cs typeface="Calibri Light" panose="020F0302020204030204" pitchFamily="34" charset="0"/>
+              </a:rPr>
+              <a:t>Use Cases and Workloads</a:t>
+            </a:r>
+          </a:p>
+          <a:p>
+            <a:pPr marL="285750" indent="-285750">
+              <a:buClr>
+                <a:schemeClr val="dk1"/>
+              </a:buClr>
+              <a:buSzPts val="1100"/>
+            </a:pPr>
+            <a:r>
+              <a:rPr lang="en-US" sz="1600" dirty="0">
+                <a:latin typeface="Arial Rounded MT Bold" panose="020F0704030504030204" pitchFamily="34" charset="0"/>
+                <a:ea typeface="Calibri Light" panose="020F0302020204030204" pitchFamily="34" charset="0"/>
+                <a:cs typeface="Calibri Light" panose="020F0302020204030204" pitchFamily="34" charset="0"/>
+              </a:rPr>
+              <a:t>API Composition</a:t>
+            </a:r>
+          </a:p>
+          <a:p>
+            <a:pPr marL="285750" indent="-285750">
+              <a:buClr>
+                <a:schemeClr val="dk1"/>
+              </a:buClr>
+              <a:buSzPts val="1100"/>
+            </a:pPr>
+            <a:r>
+              <a:rPr lang="en-US" sz="1600" dirty="0">
+                <a:latin typeface="Arial Rounded MT Bold" panose="020F0704030504030204" pitchFamily="34" charset="0"/>
+                <a:ea typeface="Calibri Light" panose="020F0302020204030204" pitchFamily="34" charset="0"/>
+                <a:cs typeface="Calibri Light" panose="020F0302020204030204" pitchFamily="34" charset="0"/>
+              </a:rPr>
+              <a:t>Demo</a:t>
+            </a:r>
+            <a:endParaRPr sz="1600" dirty="0">
+              <a:latin typeface="Arial Rounded MT Bold" panose="020F0704030504030204" pitchFamily="34" charset="0"/>
+              <a:ea typeface="Calibri Light" panose="020F0302020204030204" pitchFamily="34" charset="0"/>
+              <a:cs typeface="Calibri Light" panose="020F0302020204030204" pitchFamily="34" charset="0"/>
+            </a:endParaRPr>
+          </a:p>
+        </p:txBody>
+      </p:sp>
+    </p:spTree>
+  </p:cSld>
+  <p:clrMapOvr>
+    <a:masterClrMapping/>
+  </p:clrMapOvr>
+</p:sld>
+</file>
+
+<file path=ppt/slides/slide20.xml><?xml version="1.0" encoding="utf-8"?>
 <p:sld xmlns:a="http://schemas.openxmlformats.org/drawingml/2006/main" xmlns:r="http://schemas.openxmlformats.org/officeDocument/2006/relationships" xmlns:p="http://schemas.openxmlformats.org/presentationml/2006/main">
   <p:cSld>
     <p:spTree>
@@ -16523,8 +17065,8 @@
         </p:nvSpPr>
         <p:spPr>
           <a:xfrm>
-            <a:off x="1447800" y="133350"/>
-            <a:ext cx="7757950" cy="457200"/>
+            <a:off x="213585" y="207253"/>
+            <a:ext cx="8672350" cy="821322"/>
           </a:xfrm>
         </p:spPr>
         <p:txBody>
@@ -16533,21 +17075,29 @@
           <a:p>
             <a:r>
               <a:rPr lang="en-US" sz="2800" dirty="0">
-                <a:latin typeface="Candara" pitchFamily="34" charset="0"/>
+                <a:solidFill>
+                  <a:schemeClr val="bg2"/>
+                </a:solidFill>
+                <a:latin typeface="Algerian" panose="04020705040A02060702" pitchFamily="82" charset="0"/>
               </a:rPr>
-              <a:t>   Current state of </a:t>
+              <a:t>Current state of serverless </a:t>
             </a:r>
-            <a:r>
-              <a:rPr lang="en-US" sz="2800" dirty="0" err="1">
-                <a:latin typeface="Candara" pitchFamily="34" charset="0"/>
+            <a:br>
+              <a:rPr lang="en-US" sz="2800" dirty="0">
+                <a:solidFill>
+                  <a:schemeClr val="bg2"/>
+                </a:solidFill>
+                <a:latin typeface="Algerian" panose="04020705040A02060702" pitchFamily="82" charset="0"/>
               </a:rPr>
-              <a:t>serverless</a:t>
-            </a:r>
+            </a:br>
             <a:r>
               <a:rPr lang="en-US" sz="2800" dirty="0">
-                <a:latin typeface="Candara" pitchFamily="34" charset="0"/>
+                <a:solidFill>
+                  <a:schemeClr val="bg2"/>
+                </a:solidFill>
+                <a:latin typeface="Algerian" panose="04020705040A02060702" pitchFamily="82" charset="0"/>
               </a:rPr>
-              <a:t> Platforms</a:t>
+              <a:t>Platforms</a:t>
             </a:r>
           </a:p>
         </p:txBody>
@@ -16584,7 +17134,7 @@
             </a:pPr>
             <a:fld id="{00000000-1234-1234-1234-123412341234}" type="slidenum">
               <a:rPr lang="en"/>
-              <a:t>19</a:t>
+              <a:t>20</a:t>
             </a:fld>
             <a:endParaRPr/>
           </a:p>
@@ -16676,8 +17226,8 @@
         </p:nvSpPr>
         <p:spPr>
           <a:xfrm>
-            <a:off x="304800" y="971550"/>
-            <a:ext cx="8534400" cy="3108543"/>
+            <a:off x="213585" y="1504950"/>
+            <a:ext cx="8534400" cy="1815882"/>
           </a:xfrm>
           <a:prstGeom prst="rect">
             <a:avLst/>
@@ -16689,87 +17239,80 @@
           </a:bodyPr>
           <a:lstStyle/>
           <a:p>
+            <a:pPr algn="just"/>
+            <a:endParaRPr lang="en-US" dirty="0">
+              <a:latin typeface="Arial Rounded MT Bold" panose="020F0704030504030204" pitchFamily="34" charset="0"/>
+            </a:endParaRPr>
+          </a:p>
+          <a:p>
+            <a:pPr marL="285750" indent="-285750" algn="just">
+              <a:buFont typeface="Wingdings" panose="05000000000000000000" pitchFamily="2" charset="2"/>
+              <a:buChar char="Ø"/>
+            </a:pPr>
             <a:r>
-              <a:rPr lang="en-US" dirty="0"/>
-              <a:t> </a:t>
+              <a:rPr lang="en-US" dirty="0">
+                <a:latin typeface="Arial Rounded MT Bold" panose="020F0704030504030204" pitchFamily="34" charset="0"/>
+              </a:rPr>
+              <a:t>There are many similarities between serverless platforms.</a:t>
             </a:r>
           </a:p>
           <a:p>
+            <a:pPr marL="285750" indent="-285750" algn="just">
+              <a:buFont typeface="Wingdings" panose="05000000000000000000" pitchFamily="2" charset="2"/>
+              <a:buChar char="Ø"/>
+            </a:pPr>
+            <a:endParaRPr lang="en-US" dirty="0">
+              <a:latin typeface="Arial Rounded MT Bold" panose="020F0704030504030204" pitchFamily="34" charset="0"/>
+            </a:endParaRPr>
+          </a:p>
+          <a:p>
+            <a:pPr marL="285750" indent="-285750" algn="just">
+              <a:buFont typeface="Wingdings" panose="05000000000000000000" pitchFamily="2" charset="2"/>
+              <a:buChar char="Ø"/>
+            </a:pPr>
             <a:r>
-              <a:rPr lang="en-US" dirty="0"/>
-              <a:t>There are many similarities between </a:t>
-            </a:r>
-            <a:r>
-              <a:rPr lang="en-US" dirty="0" err="1"/>
-              <a:t>serverless</a:t>
-            </a:r>
-            <a:r>
-              <a:rPr lang="en-US" dirty="0"/>
-              <a:t> platforms.</a:t>
-            </a:r>
-          </a:p>
-          <a:p>
-            <a:endParaRPr lang="en-US" dirty="0"/>
-          </a:p>
-          <a:p>
-            <a:r>
-              <a:rPr lang="en-US" dirty="0"/>
-              <a:t> </a:t>
-            </a:r>
-          </a:p>
-          <a:p>
-            <a:endParaRPr lang="en-US" dirty="0"/>
-          </a:p>
-          <a:p>
-            <a:r>
-              <a:rPr lang="en-US" dirty="0"/>
+              <a:rPr lang="en-US" dirty="0">
+                <a:latin typeface="Arial Rounded MT Bold" panose="020F0704030504030204" pitchFamily="34" charset="0"/>
+              </a:rPr>
               <a:t>They share similar pricing, deployment, and programming models. </a:t>
             </a:r>
           </a:p>
           <a:p>
-            <a:endParaRPr lang="en-US" dirty="0"/>
-          </a:p>
-          <a:p>
+            <a:pPr marL="285750" indent="-285750" algn="just">
+              <a:buFont typeface="Wingdings" panose="05000000000000000000" pitchFamily="2" charset="2"/>
+              <a:buChar char="Ø"/>
+            </a:pPr>
+            <a:endParaRPr lang="en-US" dirty="0">
+              <a:latin typeface="Arial Rounded MT Bold" panose="020F0704030504030204" pitchFamily="34" charset="0"/>
+            </a:endParaRPr>
+          </a:p>
+          <a:p>
+            <a:pPr marL="285750" indent="-285750" algn="just">
+              <a:buFont typeface="Wingdings" panose="05000000000000000000" pitchFamily="2" charset="2"/>
+              <a:buChar char="Ø"/>
+            </a:pPr>
             <a:r>
-              <a:rPr lang="en-US" dirty="0"/>
-              <a:t> </a:t>
+              <a:rPr lang="en-US" dirty="0">
+                <a:latin typeface="Arial Rounded MT Bold" panose="020F0704030504030204" pitchFamily="34" charset="0"/>
+              </a:rPr>
+              <a:t>Current serverless platforms only make it easy to use the services in their own ecosystem.</a:t>
             </a:r>
           </a:p>
           <a:p>
-            <a:endParaRPr lang="en-US" dirty="0"/>
-          </a:p>
-          <a:p>
+            <a:pPr algn="just"/>
+            <a:endParaRPr lang="en-US" dirty="0">
+              <a:latin typeface="Arial Rounded MT Bold" panose="020F0704030504030204" pitchFamily="34" charset="0"/>
+            </a:endParaRPr>
+          </a:p>
+          <a:p>
+            <a:pPr marL="285750" indent="-285750" algn="just">
+              <a:buFont typeface="Wingdings" panose="05000000000000000000" pitchFamily="2" charset="2"/>
+              <a:buChar char="Ø"/>
+            </a:pPr>
             <a:r>
-              <a:rPr lang="en-US" dirty="0"/>
-              <a:t>Current </a:t>
-            </a:r>
-            <a:r>
-              <a:rPr lang="en-US" dirty="0" err="1"/>
-              <a:t>serverless</a:t>
-            </a:r>
-            <a:r>
-              <a:rPr lang="en-US" dirty="0"/>
-              <a:t> platforms only make it easy to use the services in their own ecosystem.</a:t>
-            </a:r>
-          </a:p>
-          <a:p>
-            <a:r>
-              <a:rPr lang="en-US" dirty="0"/>
-              <a:t> </a:t>
-            </a:r>
-          </a:p>
-          <a:p>
-            <a:endParaRPr lang="en-US" dirty="0"/>
-          </a:p>
-          <a:p>
-            <a:r>
-              <a:rPr lang="en-US" dirty="0"/>
-              <a:t> </a:t>
-            </a:r>
-          </a:p>
-          <a:p>
-            <a:r>
-              <a:rPr lang="en-US" dirty="0"/>
+              <a:rPr lang="en-US" dirty="0">
+                <a:latin typeface="Arial Rounded MT Bold" panose="020F0704030504030204" pitchFamily="34" charset="0"/>
+              </a:rPr>
               <a:t>Open source solutions may work well across multiple cloud platforms.</a:t>
             </a:r>
           </a:p>
@@ -16783,263 +17326,7 @@
 </p:sld>
 </file>
 
-<file path=ppt/slides/slide2.xml><?xml version="1.0" encoding="utf-8"?>
-<p:sld xmlns:a="http://schemas.openxmlformats.org/drawingml/2006/main" xmlns:r="http://schemas.openxmlformats.org/officeDocument/2006/relationships" xmlns:p="http://schemas.openxmlformats.org/presentationml/2006/main">
-  <p:cSld>
-    <p:spTree>
-      <p:nvGrpSpPr>
-        <p:cNvPr id="1" name="Shape 315"/>
-        <p:cNvGrpSpPr/>
-        <p:nvPr/>
-      </p:nvGrpSpPr>
-      <p:grpSpPr>
-        <a:xfrm>
-          <a:off x="0" y="0"/>
-          <a:ext cx="0" cy="0"/>
-          <a:chOff x="0" y="0"/>
-          <a:chExt cx="0" cy="0"/>
-        </a:xfrm>
-      </p:grpSpPr>
-      <p:sp>
-        <p:nvSpPr>
-          <p:cNvPr id="316" name="Google Shape;316;p13"/>
-          <p:cNvSpPr txBox="1">
-            <a:spLocks noGrp="1"/>
-          </p:cNvSpPr>
-          <p:nvPr>
-            <p:ph type="title"/>
-          </p:nvPr>
-        </p:nvSpPr>
-        <p:spPr>
-          <a:xfrm>
-            <a:off x="228600" y="209550"/>
-            <a:ext cx="1676400" cy="399600"/>
-          </a:xfrm>
-          <a:prstGeom prst="rect">
-            <a:avLst/>
-          </a:prstGeom>
-        </p:spPr>
-        <p:txBody>
-          <a:bodyPr spcFirstLastPara="1" wrap="square" lIns="0" tIns="0" rIns="0" bIns="0" anchor="b" anchorCtr="0">
-            <a:noAutofit/>
-          </a:bodyPr>
-          <a:lstStyle/>
-          <a:p>
-            <a:pPr marL="0" lvl="0" indent="0" algn="ctr" rtl="0">
-              <a:spcBef>
-                <a:spcPts val="0"/>
-              </a:spcBef>
-              <a:spcAft>
-                <a:spcPts val="0"/>
-              </a:spcAft>
-              <a:buNone/>
-            </a:pPr>
-            <a:r>
-              <a:rPr lang="en-US" sz="2800" dirty="0">
-                <a:solidFill>
-                  <a:schemeClr val="tx2">
-                    <a:lumMod val="50000"/>
-                  </a:schemeClr>
-                </a:solidFill>
-                <a:latin typeface="Algerian" panose="04020705040A02060702" pitchFamily="82" charset="0"/>
-              </a:rPr>
-              <a:t>AGENDA</a:t>
-            </a:r>
-            <a:endParaRPr sz="2800" dirty="0">
-              <a:solidFill>
-                <a:schemeClr val="tx2">
-                  <a:lumMod val="50000"/>
-                </a:schemeClr>
-              </a:solidFill>
-              <a:latin typeface="Algerian" panose="04020705040A02060702" pitchFamily="82" charset="0"/>
-            </a:endParaRPr>
-          </a:p>
-        </p:txBody>
-      </p:sp>
-      <p:sp>
-        <p:nvSpPr>
-          <p:cNvPr id="318" name="Google Shape;318;p13"/>
-          <p:cNvSpPr txBox="1">
-            <a:spLocks noGrp="1"/>
-          </p:cNvSpPr>
-          <p:nvPr>
-            <p:ph type="body" idx="1"/>
-          </p:nvPr>
-        </p:nvSpPr>
-        <p:spPr>
-          <a:xfrm>
-            <a:off x="2209800" y="905006"/>
-            <a:ext cx="3587400" cy="3724144"/>
-          </a:xfrm>
-          <a:prstGeom prst="rect">
-            <a:avLst/>
-          </a:prstGeom>
-        </p:spPr>
-        <p:txBody>
-          <a:bodyPr spcFirstLastPara="1" wrap="square" lIns="0" tIns="0" rIns="0" bIns="0" anchor="t" anchorCtr="0">
-            <a:noAutofit/>
-          </a:bodyPr>
-          <a:lstStyle/>
-          <a:p>
-            <a:pPr marL="285750" indent="-285750">
-              <a:buClr>
-                <a:schemeClr val="dk1"/>
-              </a:buClr>
-              <a:buSzPts val="1100"/>
-            </a:pPr>
-            <a:r>
-              <a:rPr lang="en-US" sz="1600" dirty="0">
-                <a:latin typeface="Arial Rounded MT Bold" panose="020F0704030504030204" pitchFamily="34" charset="0"/>
-                <a:ea typeface="Calibri Light" panose="020F0302020204030204" pitchFamily="34" charset="0"/>
-                <a:cs typeface="Calibri Light" panose="020F0302020204030204" pitchFamily="34" charset="0"/>
-              </a:rPr>
-              <a:t>Introduction</a:t>
-            </a:r>
-          </a:p>
-          <a:p>
-            <a:pPr marL="285750" indent="-285750">
-              <a:buClr>
-                <a:schemeClr val="dk1"/>
-              </a:buClr>
-              <a:buSzPts val="1100"/>
-            </a:pPr>
-            <a:r>
-              <a:rPr lang="en-US" sz="1600" dirty="0">
-                <a:latin typeface="Arial Rounded MT Bold" panose="020F0704030504030204" pitchFamily="34" charset="0"/>
-                <a:ea typeface="Calibri Light" panose="020F0302020204030204" pitchFamily="34" charset="0"/>
-                <a:cs typeface="Calibri Light" panose="020F0302020204030204" pitchFamily="34" charset="0"/>
-              </a:rPr>
-              <a:t>What is Serverless</a:t>
-            </a:r>
-          </a:p>
-          <a:p>
-            <a:pPr marL="285750" indent="-285750">
-              <a:buClr>
-                <a:schemeClr val="dk1"/>
-              </a:buClr>
-              <a:buSzPts val="1100"/>
-            </a:pPr>
-            <a:r>
-              <a:rPr lang="en-US" sz="1600" dirty="0">
-                <a:latin typeface="Arial Rounded MT Bold" panose="020F0704030504030204" pitchFamily="34" charset="0"/>
-                <a:ea typeface="Calibri Light" panose="020F0302020204030204" pitchFamily="34" charset="0"/>
-                <a:cs typeface="Calibri Light" panose="020F0302020204030204" pitchFamily="34" charset="0"/>
-              </a:rPr>
-              <a:t>Architecture</a:t>
-            </a:r>
-          </a:p>
-          <a:p>
-            <a:pPr marL="285750" indent="-285750">
-              <a:buClr>
-                <a:schemeClr val="dk1"/>
-              </a:buClr>
-              <a:buSzPts val="1100"/>
-            </a:pPr>
-            <a:r>
-              <a:rPr lang="en-US" sz="1600" dirty="0">
-                <a:latin typeface="Arial Rounded MT Bold" panose="020F0704030504030204" pitchFamily="34" charset="0"/>
-                <a:ea typeface="Calibri Light" panose="020F0302020204030204" pitchFamily="34" charset="0"/>
-                <a:cs typeface="Calibri Light" panose="020F0302020204030204" pitchFamily="34" charset="0"/>
-              </a:rPr>
-              <a:t>Characteristics</a:t>
-            </a:r>
-          </a:p>
-          <a:p>
-            <a:pPr marL="285750" indent="-285750">
-              <a:buClr>
-                <a:schemeClr val="dk1"/>
-              </a:buClr>
-              <a:buSzPts val="1100"/>
-            </a:pPr>
-            <a:r>
-              <a:rPr lang="en-US" sz="1600" dirty="0">
-                <a:latin typeface="Arial Rounded MT Bold" panose="020F0704030504030204" pitchFamily="34" charset="0"/>
-                <a:ea typeface="Calibri Light" panose="020F0302020204030204" pitchFamily="34" charset="0"/>
-                <a:cs typeface="Calibri Light" panose="020F0302020204030204" pitchFamily="34" charset="0"/>
-              </a:rPr>
-              <a:t>Commercial Platform</a:t>
-            </a:r>
-          </a:p>
-          <a:p>
-            <a:pPr marL="285750" indent="-285750">
-              <a:buClr>
-                <a:schemeClr val="dk1"/>
-              </a:buClr>
-              <a:buSzPts val="1100"/>
-            </a:pPr>
-            <a:r>
-              <a:rPr lang="en-US" sz="1600" dirty="0">
-                <a:latin typeface="Arial Rounded MT Bold" panose="020F0704030504030204" pitchFamily="34" charset="0"/>
-                <a:ea typeface="Calibri Light" panose="020F0302020204030204" pitchFamily="34" charset="0"/>
-                <a:cs typeface="Calibri Light" panose="020F0302020204030204" pitchFamily="34" charset="0"/>
-              </a:rPr>
-              <a:t>Benefits and Drawbacks</a:t>
-            </a:r>
-          </a:p>
-          <a:p>
-            <a:pPr marL="285750" indent="-285750">
-              <a:buClr>
-                <a:schemeClr val="dk1"/>
-              </a:buClr>
-              <a:buSzPts val="1100"/>
-            </a:pPr>
-            <a:r>
-              <a:rPr lang="en-US" sz="1600" dirty="0">
-                <a:latin typeface="Arial Rounded MT Bold" panose="020F0704030504030204" pitchFamily="34" charset="0"/>
-                <a:ea typeface="Calibri Light" panose="020F0302020204030204" pitchFamily="34" charset="0"/>
-                <a:cs typeface="Calibri Light" panose="020F0302020204030204" pitchFamily="34" charset="0"/>
-              </a:rPr>
-              <a:t>Use Cases and Workloads</a:t>
-            </a:r>
-          </a:p>
-          <a:p>
-            <a:pPr marL="285750" indent="-285750">
-              <a:buClr>
-                <a:schemeClr val="dk1"/>
-              </a:buClr>
-              <a:buSzPts val="1100"/>
-            </a:pPr>
-            <a:r>
-              <a:rPr lang="en-US" sz="1600" dirty="0">
-                <a:latin typeface="Arial Rounded MT Bold" panose="020F0704030504030204" pitchFamily="34" charset="0"/>
-                <a:ea typeface="Calibri Light" panose="020F0302020204030204" pitchFamily="34" charset="0"/>
-                <a:cs typeface="Calibri Light" panose="020F0302020204030204" pitchFamily="34" charset="0"/>
-              </a:rPr>
-              <a:t>API Composition</a:t>
-            </a:r>
-          </a:p>
-          <a:p>
-            <a:pPr marL="285750" indent="-285750">
-              <a:buClr>
-                <a:schemeClr val="dk1"/>
-              </a:buClr>
-              <a:buSzPts val="1100"/>
-            </a:pPr>
-            <a:r>
-              <a:rPr lang="en-US" sz="1600" dirty="0">
-                <a:latin typeface="Arial Rounded MT Bold" panose="020F0704030504030204" pitchFamily="34" charset="0"/>
-                <a:ea typeface="Calibri Light" panose="020F0302020204030204" pitchFamily="34" charset="0"/>
-                <a:cs typeface="Calibri Light" panose="020F0302020204030204" pitchFamily="34" charset="0"/>
-              </a:rPr>
-              <a:t>Demo</a:t>
-            </a:r>
-            <a:endParaRPr sz="1600" dirty="0">
-              <a:latin typeface="Arial Rounded MT Bold" panose="020F0704030504030204" pitchFamily="34" charset="0"/>
-              <a:ea typeface="Calibri Light" panose="020F0302020204030204" pitchFamily="34" charset="0"/>
-              <a:cs typeface="Calibri Light" panose="020F0302020204030204" pitchFamily="34" charset="0"/>
-            </a:endParaRPr>
-          </a:p>
-        </p:txBody>
-      </p:sp>
-    </p:spTree>
-  </p:cSld>
-  <p:clrMapOvr>
-    <a:masterClrMapping/>
-  </p:clrMapOvr>
-</p:sld>
-</file>
-
-<file path=ppt/slides/slide20.xml><?xml version="1.0" encoding="utf-8"?>
+<file path=ppt/slides/slide21.xml><?xml version="1.0" encoding="utf-8"?>
 <p:sld xmlns:a="http://schemas.openxmlformats.org/drawingml/2006/main" xmlns:r="http://schemas.openxmlformats.org/officeDocument/2006/relationships" xmlns:p="http://schemas.openxmlformats.org/presentationml/2006/main">
   <p:cSld>
     <p:bg>
@@ -17090,8 +17377,8 @@
         </p:nvSpPr>
         <p:spPr>
           <a:xfrm>
-            <a:off x="2438400" y="285750"/>
-            <a:ext cx="4024150" cy="304800"/>
+            <a:off x="302941" y="237150"/>
+            <a:ext cx="5181600" cy="457200"/>
           </a:xfrm>
         </p:spPr>
         <p:txBody>
@@ -17100,9 +17387,12 @@
           <a:p>
             <a:r>
               <a:rPr lang="en-US" sz="2800" dirty="0">
-                <a:latin typeface="Candara" pitchFamily="34" charset="0"/>
+                <a:solidFill>
+                  <a:schemeClr val="bg2"/>
+                </a:solidFill>
+                <a:latin typeface="Algerian" panose="04020705040A02060702" pitchFamily="82" charset="0"/>
               </a:rPr>
-              <a:t>Use Cases and Workloads</a:t>
+              <a:t>USE CASES AND WORKLOADS</a:t>
             </a:r>
           </a:p>
         </p:txBody>
@@ -17135,117 +17425,73 @@
             </a:endParaRPr>
           </a:p>
           <a:p>
-            <a:pPr marL="101600" indent="0">
-              <a:buNone/>
-            </a:pPr>
-            <a:r>
-              <a:rPr lang="en-US" sz="1400" dirty="0" err="1">
-                <a:latin typeface="+mn-lt"/>
-              </a:rPr>
-              <a:t>Serverless</a:t>
-            </a:r>
+            <a:pPr algn="just">
+              <a:buFont typeface="Wingdings" panose="05000000000000000000" pitchFamily="2" charset="2"/>
+              <a:buChar char="Ø"/>
+            </a:pPr>
             <a:r>
               <a:rPr lang="en-US" sz="1400" dirty="0">
-                <a:latin typeface="+mn-lt"/>
+                <a:latin typeface="Arial Rounded MT Bold" panose="020F0704030504030204" pitchFamily="34" charset="0"/>
               </a:rPr>
-              <a:t> computing has been utilized to support a wider range of applications.</a:t>
+              <a:t>Serverless computing has been utilized to support a wider range of applications.</a:t>
             </a:r>
           </a:p>
           <a:p>
-            <a:pPr marL="101600" indent="0">
+            <a:pPr marL="101600" indent="0" algn="just">
               <a:buNone/>
             </a:pPr>
             <a:endParaRPr lang="en-US" sz="1400" dirty="0">
-              <a:latin typeface="+mn-lt"/>
+              <a:latin typeface="Arial Rounded MT Bold" panose="020F0704030504030204" pitchFamily="34" charset="0"/>
             </a:endParaRPr>
           </a:p>
           <a:p>
-            <a:pPr marL="101600" indent="0">
-              <a:buNone/>
-            </a:pPr>
-            <a:endParaRPr lang="en-US" sz="1400" dirty="0">
-              <a:latin typeface="+mn-lt"/>
-            </a:endParaRPr>
-          </a:p>
-          <a:p>
-            <a:pPr marL="101600" indent="0">
-              <a:buNone/>
+            <a:pPr algn="just">
+              <a:buFont typeface="Wingdings" panose="05000000000000000000" pitchFamily="2" charset="2"/>
+              <a:buChar char="Ø"/>
             </a:pPr>
             <a:r>
               <a:rPr lang="en-US" sz="1400" dirty="0">
-                <a:latin typeface="+mn-lt"/>
+                <a:latin typeface="Arial Rounded MT Bold" panose="020F0704030504030204" pitchFamily="34" charset="0"/>
               </a:rPr>
               <a:t>HTTP REST APIs and web apps: traditional request and response workloads.</a:t>
             </a:r>
           </a:p>
           <a:p>
-            <a:pPr marL="101600" indent="0">
-              <a:buNone/>
+            <a:pPr marL="101600" indent="0" algn="just">
+              <a:buNone/>
+            </a:pPr>
+            <a:endParaRPr lang="en-US" sz="1400" dirty="0">
+              <a:latin typeface="Arial Rounded MT Bold" panose="020F0704030504030204" pitchFamily="34" charset="0"/>
+            </a:endParaRPr>
+          </a:p>
+          <a:p>
+            <a:pPr algn="just">
+              <a:buFont typeface="Wingdings" panose="05000000000000000000" pitchFamily="2" charset="2"/>
+              <a:buChar char="Ø"/>
             </a:pPr>
             <a:r>
               <a:rPr lang="en-US" sz="1400" dirty="0">
-                <a:latin typeface="+mn-lt"/>
+                <a:latin typeface="Arial Rounded MT Bold" panose="020F0704030504030204" pitchFamily="34" charset="0"/>
               </a:rPr>
-              <a:t> </a:t>
+              <a:t>Mobile back ends: ability to build on the REST API backend workload above the BaaS APIs.</a:t>
             </a:r>
           </a:p>
           <a:p>
-            <a:pPr marL="101600" indent="0">
+            <a:pPr marL="101600" indent="0" algn="just">
               <a:buNone/>
             </a:pPr>
             <a:endParaRPr lang="en-US" sz="1400" dirty="0">
-              <a:latin typeface="+mn-lt"/>
+              <a:latin typeface="Arial Rounded MT Bold" panose="020F0704030504030204" pitchFamily="34" charset="0"/>
             </a:endParaRPr>
           </a:p>
           <a:p>
-            <a:pPr marL="101600" indent="0">
-              <a:buNone/>
+            <a:pPr algn="just">
+              <a:buFont typeface="Wingdings" panose="05000000000000000000" pitchFamily="2" charset="2"/>
+              <a:buChar char="Ø"/>
             </a:pPr>
             <a:r>
               <a:rPr lang="en-US" sz="1400" dirty="0">
-                <a:latin typeface="+mn-lt"/>
-              </a:rPr>
-              <a:t>Mobile back ends: ability to build on the REST API backend workload above the </a:t>
-            </a:r>
-            <a:r>
-              <a:rPr lang="en-US" sz="1400" dirty="0" err="1">
-                <a:latin typeface="+mn-lt"/>
-              </a:rPr>
-              <a:t>BaaS</a:t>
-            </a:r>
-            <a:r>
-              <a:rPr lang="en-US" sz="1400" dirty="0">
-                <a:latin typeface="+mn-lt"/>
-              </a:rPr>
-              <a:t> APIs.</a:t>
-            </a:r>
-          </a:p>
-          <a:p>
-            <a:pPr marL="101600" indent="0">
-              <a:buNone/>
-            </a:pPr>
-            <a:r>
-              <a:rPr lang="en-US" sz="1400" dirty="0">
-                <a:latin typeface="+mn-lt"/>
-              </a:rPr>
-              <a:t> </a:t>
-            </a:r>
-          </a:p>
-          <a:p>
-            <a:pPr marL="101600" indent="0">
-              <a:buNone/>
-            </a:pPr>
-            <a:endParaRPr lang="en-US" sz="1400" dirty="0">
-              <a:latin typeface="+mn-lt"/>
-            </a:endParaRPr>
-          </a:p>
-          <a:p>
-            <a:pPr marL="101600" indent="0">
-              <a:buNone/>
-            </a:pPr>
-            <a:r>
-              <a:rPr lang="en-US" sz="1400" dirty="0">
-                <a:latin typeface="+mn-lt"/>
+                <a:latin typeface="Arial Rounded MT Bold" panose="020F0704030504030204" pitchFamily="34" charset="0"/>
               </a:rPr>
               <a:t>Multimedia processing: The implementation of functions that execute a transformational process in response to a file upload.</a:t>
             </a:r>
@@ -17284,7 +17530,7 @@
             </a:pPr>
             <a:fld id="{00000000-1234-1234-1234-123412341234}" type="slidenum">
               <a:rPr lang="en"/>
-              <a:t>20</a:t>
+              <a:t>21</a:t>
             </a:fld>
             <a:endParaRPr/>
           </a:p>
@@ -17298,7 +17544,7 @@
 </p:sld>
 </file>
 
-<file path=ppt/slides/slide21.xml><?xml version="1.0" encoding="utf-8"?>
+<file path=ppt/slides/slide22.xml><?xml version="1.0" encoding="utf-8"?>
 <p:sld xmlns:a="http://schemas.openxmlformats.org/drawingml/2006/main" xmlns:r="http://schemas.openxmlformats.org/officeDocument/2006/relationships" xmlns:p="http://schemas.openxmlformats.org/presentationml/2006/main">
   <p:cSld>
     <p:bg>
@@ -17349,8 +17595,8 @@
         </p:nvSpPr>
         <p:spPr>
           <a:xfrm>
-            <a:off x="2971800" y="133350"/>
-            <a:ext cx="2728750" cy="440350"/>
+            <a:off x="304800" y="209550"/>
+            <a:ext cx="3429000" cy="440350"/>
           </a:xfrm>
         </p:spPr>
         <p:txBody>
@@ -17359,9 +17605,12 @@
           <a:p>
             <a:r>
               <a:rPr lang="en-US" sz="2800" dirty="0">
-                <a:latin typeface="Candara" pitchFamily="34" charset="0"/>
+                <a:solidFill>
+                  <a:schemeClr val="bg2"/>
+                </a:solidFill>
+                <a:latin typeface="Algerian" panose="04020705040A02060702" pitchFamily="82" charset="0"/>
               </a:rPr>
-              <a:t>Event Processing</a:t>
+              <a:t>EVENT PROCESSING</a:t>
             </a:r>
           </a:p>
         </p:txBody>
@@ -17378,7 +17627,7 @@
         </p:nvSpPr>
         <p:spPr>
           <a:xfrm>
-            <a:off x="304800" y="819150"/>
+            <a:off x="299224" y="971550"/>
             <a:ext cx="8763000" cy="4267200"/>
           </a:xfrm>
         </p:spPr>
@@ -17386,72 +17635,95 @@
           <a:bodyPr/>
           <a:lstStyle/>
           <a:p>
-            <a:pPr marL="101600" indent="0">
-              <a:buNone/>
+            <a:pPr algn="just">
+              <a:buFont typeface="Wingdings" panose="05000000000000000000" pitchFamily="2" charset="2"/>
+              <a:buChar char="Ø"/>
             </a:pPr>
             <a:r>
               <a:rPr lang="en-US" sz="1400" dirty="0">
-                <a:latin typeface="+mn-lt"/>
+                <a:latin typeface="Arial Rounded MT Bold" panose="020F0704030504030204" pitchFamily="34" charset="0"/>
               </a:rPr>
               <a:t>One class of applications that are very much suitable for is event-based programming. </a:t>
             </a:r>
           </a:p>
           <a:p>
-            <a:pPr marL="101600" indent="0">
-              <a:buNone/>
+            <a:pPr algn="just">
+              <a:buFont typeface="Wingdings" panose="05000000000000000000" pitchFamily="2" charset="2"/>
+              <a:buChar char="Ø"/>
             </a:pPr>
             <a:endParaRPr lang="en-US" sz="1400" dirty="0">
-              <a:latin typeface="+mn-lt"/>
+              <a:latin typeface="Arial Rounded MT Bold" panose="020F0704030504030204" pitchFamily="34" charset="0"/>
             </a:endParaRPr>
           </a:p>
           <a:p>
-            <a:pPr marL="101600" indent="0">
-              <a:buNone/>
+            <a:pPr algn="just">
+              <a:buFont typeface="Wingdings" panose="05000000000000000000" pitchFamily="2" charset="2"/>
+              <a:buChar char="Ø"/>
             </a:pPr>
             <a:r>
               <a:rPr lang="en-US" sz="1400" dirty="0">
-                <a:latin typeface="+mn-lt"/>
+                <a:latin typeface="Arial Rounded MT Bold" panose="020F0704030504030204" pitchFamily="34" charset="0"/>
               </a:rPr>
               <a:t> Image processing event handler function by AWS</a:t>
             </a:r>
           </a:p>
           <a:p>
-            <a:pPr marL="101600" indent="0">
-              <a:buNone/>
+            <a:pPr marL="101600" indent="0" algn="just">
+              <a:buNone/>
+            </a:pPr>
+            <a:endParaRPr lang="en-US" sz="1400" dirty="0">
+              <a:latin typeface="Arial Rounded MT Bold" panose="020F0704030504030204" pitchFamily="34" charset="0"/>
+            </a:endParaRPr>
+          </a:p>
+          <a:p>
+            <a:pPr algn="just">
+              <a:buFont typeface="Wingdings" panose="05000000000000000000" pitchFamily="2" charset="2"/>
+              <a:buChar char="Ø"/>
             </a:pPr>
             <a:r>
               <a:rPr lang="en-US" sz="1400" dirty="0">
-                <a:latin typeface="+mn-lt"/>
+                <a:latin typeface="Arial Rounded MT Bold" panose="020F0704030504030204" pitchFamily="34" charset="0"/>
               </a:rPr>
-              <a:t>             *The function is connected to a data store, that emits change events.</a:t>
+              <a:t> The function is connected to a data store, that emits change events.</a:t>
             </a:r>
           </a:p>
           <a:p>
-            <a:pPr marL="101600" indent="0">
-              <a:buNone/>
+            <a:pPr marL="101600" indent="0" algn="just">
+              <a:buNone/>
+            </a:pPr>
+            <a:endParaRPr lang="en-US" sz="1400" dirty="0">
+              <a:latin typeface="Arial Rounded MT Bold" panose="020F0704030504030204" pitchFamily="34" charset="0"/>
+            </a:endParaRPr>
+          </a:p>
+          <a:p>
+            <a:pPr algn="just">
+              <a:buFont typeface="Wingdings" panose="05000000000000000000" pitchFamily="2" charset="2"/>
+              <a:buChar char="Ø"/>
             </a:pPr>
             <a:r>
               <a:rPr lang="en-US" sz="1400" dirty="0">
-                <a:latin typeface="+mn-lt"/>
+                <a:latin typeface="Arial Rounded MT Bold" panose="020F0704030504030204" pitchFamily="34" charset="0"/>
               </a:rPr>
-              <a:t>             *New image file is uploaded, an event is generated.  </a:t>
+              <a:t> New image file is uploaded, an event is generated.  </a:t>
             </a:r>
           </a:p>
           <a:p>
-            <a:pPr marL="101600" indent="0">
-              <a:buNone/>
+            <a:pPr algn="just">
+              <a:buFont typeface="Wingdings" panose="05000000000000000000" pitchFamily="2" charset="2"/>
+              <a:buChar char="Ø"/>
             </a:pPr>
             <a:endParaRPr lang="en-US" sz="1400" dirty="0">
-              <a:latin typeface="+mn-lt"/>
+              <a:latin typeface="Arial Rounded MT Bold" panose="020F0704030504030204" pitchFamily="34" charset="0"/>
             </a:endParaRPr>
           </a:p>
           <a:p>
-            <a:pPr marL="101600" indent="0">
-              <a:buNone/>
+            <a:pPr algn="just">
+              <a:buFont typeface="Wingdings" panose="05000000000000000000" pitchFamily="2" charset="2"/>
+              <a:buChar char="Ø"/>
             </a:pPr>
             <a:r>
               <a:rPr lang="en-US" sz="1400" dirty="0">
-                <a:latin typeface="+mn-lt"/>
+                <a:latin typeface="Arial Rounded MT Bold" panose="020F0704030504030204" pitchFamily="34" charset="0"/>
               </a:rPr>
               <a:t>In the case of failure, the function can be executed again with no side effects.</a:t>
             </a:r>
@@ -17490,7 +17762,7 @@
             </a:pPr>
             <a:fld id="{00000000-1234-1234-1234-123412341234}" type="slidenum">
               <a:rPr lang="en"/>
-              <a:t>21</a:t>
+              <a:t>22</a:t>
             </a:fld>
             <a:endParaRPr/>
           </a:p>
@@ -17504,7 +17776,7 @@
 </p:sld>
 </file>
 
-<file path=ppt/slides/slide22.xml><?xml version="1.0" encoding="utf-8"?>
+<file path=ppt/slides/slide23.xml><?xml version="1.0" encoding="utf-8"?>
 <p:sld xmlns:a="http://schemas.openxmlformats.org/drawingml/2006/main" xmlns:r="http://schemas.openxmlformats.org/officeDocument/2006/relationships" xmlns:p="http://schemas.openxmlformats.org/presentationml/2006/main">
   <p:cSld>
     <p:bg>
@@ -17575,7 +17847,7 @@
             </a:pPr>
             <a:fld id="{00000000-1234-1234-1234-123412341234}" type="slidenum">
               <a:rPr lang="en"/>
-              <a:t>22</a:t>
+              <a:t>23</a:t>
             </a:fld>
             <a:endParaRPr/>
           </a:p>
@@ -17593,8 +17865,8 @@
         </p:nvSpPr>
         <p:spPr>
           <a:xfrm>
-            <a:off x="381000" y="742950"/>
-            <a:ext cx="8763000" cy="4038600"/>
+            <a:off x="381000" y="1069588"/>
+            <a:ext cx="6553200" cy="1524000"/>
           </a:xfrm>
           <a:prstGeom prst="rect">
             <a:avLst/>
@@ -17606,12 +17878,13 @@
           </a:bodyPr>
           <a:lstStyle/>
           <a:p>
-            <a:pPr marL="0" lvl="0" indent="0">
-              <a:buNone/>
+            <a:pPr marL="285750" lvl="0" indent="-285750" algn="just">
+              <a:buFont typeface="Wingdings" panose="05000000000000000000" pitchFamily="2" charset="2"/>
+              <a:buChar char="Ø"/>
             </a:pPr>
             <a:r>
               <a:rPr lang="en-US" sz="1400" dirty="0">
-                <a:latin typeface="+mn-lt"/>
+                <a:latin typeface="Arial Rounded MT Bold" panose="020F0704030504030204" pitchFamily="34" charset="0"/>
                 <a:ea typeface="Poppins"/>
                 <a:cs typeface="Poppins"/>
                 <a:sym typeface="Poppins"/>
@@ -17620,23 +17893,25 @@
             </a:r>
           </a:p>
           <a:p>
-            <a:pPr marL="0" lvl="0" indent="0">
-              <a:buNone/>
+            <a:pPr marL="285750" lvl="0" indent="-285750" algn="just">
+              <a:buFont typeface="Wingdings" panose="05000000000000000000" pitchFamily="2" charset="2"/>
+              <a:buChar char="Ø"/>
             </a:pPr>
             <a:endParaRPr lang="en-US" sz="1400" dirty="0">
-              <a:latin typeface="+mn-lt"/>
+              <a:latin typeface="Arial Rounded MT Bold" panose="020F0704030504030204" pitchFamily="34" charset="0"/>
               <a:ea typeface="Poppins"/>
               <a:cs typeface="Poppins"/>
               <a:sym typeface="Poppins"/>
             </a:endParaRPr>
           </a:p>
           <a:p>
-            <a:pPr marL="0" lvl="0" indent="0">
-              <a:buNone/>
+            <a:pPr marL="285750" lvl="0" indent="-285750" algn="just">
+              <a:buFont typeface="Wingdings" panose="05000000000000000000" pitchFamily="2" charset="2"/>
+              <a:buChar char="Ø"/>
             </a:pPr>
             <a:r>
               <a:rPr lang="en-US" sz="1400" dirty="0">
-                <a:latin typeface="+mn-lt"/>
+                <a:latin typeface="Arial Rounded MT Bold" panose="020F0704030504030204" pitchFamily="34" charset="0"/>
                 <a:ea typeface="Poppins"/>
                 <a:cs typeface="Poppins"/>
                 <a:sym typeface="Poppins"/>
@@ -17644,7 +17919,7 @@
               <a:t>The application logic consists of data filtering and transformation.</a:t>
             </a:r>
             <a:endParaRPr sz="1400" dirty="0">
-              <a:latin typeface="+mn-lt"/>
+              <a:latin typeface="Arial Rounded MT Bold" panose="020F0704030504030204" pitchFamily="34" charset="0"/>
               <a:ea typeface="Poppins"/>
               <a:cs typeface="Poppins"/>
               <a:sym typeface="Poppins"/>
@@ -17660,7 +17935,7 @@
         </p:nvSpPr>
         <p:spPr>
           <a:xfrm>
-            <a:off x="2819400" y="57150"/>
+            <a:off x="76200" y="119315"/>
             <a:ext cx="3581400" cy="523220"/>
           </a:xfrm>
           <a:prstGeom prst="rect">
@@ -17676,9 +17951,12 @@
           <a:p>
             <a:r>
               <a:rPr lang="en-US" sz="2800" b="1" dirty="0">
-                <a:latin typeface="Candara" pitchFamily="34" charset="0"/>
+                <a:solidFill>
+                  <a:schemeClr val="bg2"/>
+                </a:solidFill>
+                <a:latin typeface="Algerian" panose="04020705040A02060702" pitchFamily="82" charset="0"/>
               </a:rPr>
-              <a:t>  API Composition </a:t>
+              <a:t>  API COMPOSITION </a:t>
             </a:r>
           </a:p>
         </p:txBody>
@@ -17691,7 +17969,7 @@
 </p:sld>
 </file>
 
-<file path=ppt/slides/slide23.xml><?xml version="1.0" encoding="utf-8"?>
+<file path=ppt/slides/slide24.xml><?xml version="1.0" encoding="utf-8"?>
 <p:sld xmlns:a="http://schemas.openxmlformats.org/drawingml/2006/main" xmlns:r="http://schemas.openxmlformats.org/officeDocument/2006/relationships" xmlns:p="http://schemas.openxmlformats.org/presentationml/2006/main">
   <p:cSld>
     <p:spTree>
@@ -17740,7 +18018,7 @@
             </a:pPr>
             <a:fld id="{00000000-1234-1234-1234-123412341234}" type="slidenum">
               <a:rPr lang="en"/>
-              <a:t>23</a:t>
+              <a:t>24</a:t>
             </a:fld>
             <a:endParaRPr/>
           </a:p>
@@ -17758,8 +18036,8 @@
         </p:nvSpPr>
         <p:spPr>
           <a:xfrm>
-            <a:off x="0" y="133350"/>
-            <a:ext cx="1885950" cy="488950"/>
+            <a:off x="228600" y="209550"/>
+            <a:ext cx="2286000" cy="488950"/>
           </a:xfrm>
           <a:prstGeom prst="rect">
             <a:avLst/>
@@ -17781,20 +18059,14 @@
               <a:buNone/>
             </a:pPr>
             <a:r>
-              <a:rPr lang="en" sz="2800" dirty="0">
+              <a:rPr lang="en-US" sz="2800" dirty="0">
                 <a:solidFill>
-                  <a:schemeClr val="tx1"/>
+                  <a:schemeClr val="bg2"/>
                 </a:solidFill>
-                <a:latin typeface="Candara" pitchFamily="34" charset="0"/>
+                <a:latin typeface="Algerian" panose="04020705040A02060702" pitchFamily="82" charset="0"/>
               </a:rPr>
-              <a:t>Conclusions</a:t>
+              <a:t>CONCLUSIONS</a:t>
             </a:r>
-            <a:endParaRPr sz="2800" dirty="0">
-              <a:solidFill>
-                <a:schemeClr val="tx1"/>
-              </a:solidFill>
-              <a:latin typeface="Candara" pitchFamily="34" charset="0"/>
-            </a:endParaRPr>
           </a:p>
         </p:txBody>
       </p:sp>
@@ -17810,8 +18082,8 @@
         </p:nvSpPr>
         <p:spPr>
           <a:xfrm>
-            <a:off x="457200" y="819150"/>
-            <a:ext cx="8686800" cy="4038600"/>
+            <a:off x="228600" y="895350"/>
+            <a:ext cx="8763000" cy="2743200"/>
           </a:xfrm>
           <a:prstGeom prst="rect">
             <a:avLst/>
@@ -17823,63 +18095,63 @@
           </a:bodyPr>
           <a:lstStyle/>
           <a:p>
-            <a:pPr marL="0" lvl="0" indent="0" algn="l" rtl="0">
-              <a:spcBef>
-                <a:spcPts val="600"/>
-              </a:spcBef>
-              <a:spcAft>
-                <a:spcPts val="0"/>
-              </a:spcAft>
-              <a:buNone/>
-            </a:pPr>
-            <a:endParaRPr b="1" dirty="0">
-              <a:latin typeface="Montserrat"/>
+            <a:pPr marL="342900" indent="-342900" algn="just">
+              <a:buFont typeface="Wingdings" panose="05000000000000000000" pitchFamily="2" charset="2"/>
+              <a:buChar char="Ø"/>
+            </a:pPr>
+            <a:endParaRPr sz="1400" b="1" dirty="0">
+              <a:latin typeface="Arial Rounded MT Bold" panose="020F0704030504030204" pitchFamily="34" charset="0"/>
               <a:ea typeface="Montserrat"/>
               <a:cs typeface="Montserrat"/>
               <a:sym typeface="Montserrat"/>
             </a:endParaRPr>
           </a:p>
           <a:p>
-            <a:pPr marL="0" lvl="0" indent="0">
+            <a:pPr marL="285750" indent="-285750" algn="just">
               <a:buClr>
                 <a:schemeClr val="dk1"/>
               </a:buClr>
               <a:buSzPts val="1100"/>
-              <a:buNone/>
+              <a:buFont typeface="Wingdings" panose="05000000000000000000" pitchFamily="2" charset="2"/>
+              <a:buChar char="Ø"/>
             </a:pPr>
             <a:r>
               <a:rPr lang="en-US" sz="1400" dirty="0">
-                <a:latin typeface="+mn-lt"/>
+                <a:latin typeface="Arial Rounded MT Bold" panose="020F0704030504030204" pitchFamily="34" charset="0"/>
               </a:rPr>
               <a:t> It is an evolution of the trend towards higher levels of abstractions in cloud programming models. Currently exemplified by the Function- as-a-Service (</a:t>
             </a:r>
             <a:r>
               <a:rPr lang="en-US" sz="1400" dirty="0" err="1">
-                <a:latin typeface="+mn-lt"/>
+                <a:latin typeface="Arial Rounded MT Bold" panose="020F0704030504030204" pitchFamily="34" charset="0"/>
               </a:rPr>
               <a:t>FaaS</a:t>
             </a:r>
             <a:r>
               <a:rPr lang="en-US" sz="1400" dirty="0">
-                <a:latin typeface="+mn-lt"/>
+                <a:latin typeface="Arial Rounded MT Bold" panose="020F0704030504030204" pitchFamily="34" charset="0"/>
               </a:rPr>
               <a:t>).</a:t>
             </a:r>
           </a:p>
           <a:p>
-            <a:pPr marL="0" lvl="0" indent="0">
+            <a:pPr marL="285750" indent="-285750" algn="just">
               <a:buClr>
                 <a:schemeClr val="dk1"/>
               </a:buClr>
               <a:buSzPts val="1100"/>
-              <a:buNone/>
-            </a:pPr>
-            <a:endParaRPr lang="en-US" sz="1400" dirty="0">
-              <a:latin typeface="+mn-lt"/>
-            </a:endParaRPr>
-          </a:p>
-          <a:p>
-            <a:pPr marL="0" lvl="0" indent="0">
+              <a:buFont typeface="Wingdings" panose="05000000000000000000" pitchFamily="2" charset="2"/>
+              <a:buChar char="Ø"/>
+            </a:pPr>
+            <a:r>
+              <a:rPr lang="en-US" sz="1400" dirty="0">
+                <a:latin typeface="Arial Rounded MT Bold" panose="020F0704030504030204" pitchFamily="34" charset="0"/>
+              </a:rPr>
+              <a:t>There are some drawbacks also to Serverless computing like vendor lock-in and Vendor control.</a:t>
+            </a:r>
+          </a:p>
+          <a:p>
+            <a:pPr marL="0" indent="0" algn="just">
               <a:buClr>
                 <a:schemeClr val="dk1"/>
               </a:buClr>
@@ -17887,76 +18159,26 @@
               <a:buNone/>
             </a:pPr>
             <a:endParaRPr lang="en-US" sz="1400" dirty="0">
-              <a:latin typeface="+mn-lt"/>
+              <a:latin typeface="Arial Rounded MT Bold" panose="020F0704030504030204" pitchFamily="34" charset="0"/>
             </a:endParaRPr>
           </a:p>
           <a:p>
-            <a:pPr marL="0" lvl="0" indent="0">
+            <a:pPr marL="285750" indent="-285750" algn="just">
               <a:buClr>
                 <a:schemeClr val="dk1"/>
               </a:buClr>
               <a:buSzPts val="1100"/>
-              <a:buNone/>
+              <a:buFont typeface="Wingdings" panose="05000000000000000000" pitchFamily="2" charset="2"/>
+              <a:buChar char="Ø"/>
             </a:pPr>
             <a:r>
               <a:rPr lang="en-US" sz="1400" dirty="0">
-                <a:latin typeface="+mn-lt"/>
-              </a:rPr>
-              <a:t>There are some drawbacks also to </a:t>
-            </a:r>
-            <a:r>
-              <a:rPr lang="en-US" sz="1400" dirty="0" err="1">
-                <a:latin typeface="+mn-lt"/>
-              </a:rPr>
-              <a:t>Serverless</a:t>
-            </a:r>
-            <a:r>
-              <a:rPr lang="en-US" sz="1400" dirty="0">
-                <a:latin typeface="+mn-lt"/>
-              </a:rPr>
-              <a:t> computing like vendor lock-in and Vendor control.</a:t>
-            </a:r>
-          </a:p>
-          <a:p>
-            <a:pPr marL="0" lvl="0" indent="0">
-              <a:buClr>
-                <a:schemeClr val="dk1"/>
-              </a:buClr>
-              <a:buSzPts val="1100"/>
-              <a:buNone/>
-            </a:pPr>
-            <a:endParaRPr lang="en-US" sz="1400" dirty="0">
-              <a:latin typeface="+mn-lt"/>
-            </a:endParaRPr>
-          </a:p>
-          <a:p>
-            <a:pPr marL="0" lvl="0" indent="0">
-              <a:buClr>
-                <a:schemeClr val="dk1"/>
-              </a:buClr>
-              <a:buSzPts val="1100"/>
-              <a:buNone/>
-            </a:pPr>
-            <a:endParaRPr lang="en-US" sz="1400" dirty="0">
-              <a:latin typeface="+mn-lt"/>
-            </a:endParaRPr>
-          </a:p>
-          <a:p>
-            <a:pPr marL="0" lvl="0" indent="0">
-              <a:buClr>
-                <a:schemeClr val="dk1"/>
-              </a:buClr>
-              <a:buSzPts val="1100"/>
-              <a:buNone/>
-            </a:pPr>
-            <a:r>
-              <a:rPr lang="en-US" sz="1400" dirty="0">
-                <a:latin typeface="+mn-lt"/>
+                <a:latin typeface="Arial Rounded MT Bold" panose="020F0704030504030204" pitchFamily="34" charset="0"/>
               </a:rPr>
               <a:t>The developers are dependent on vendors for debugging and monitoring tools. Debugging distributed systems is difficult and usually requires access to a significant amount of relevant metrics to identify the root cause.</a:t>
             </a:r>
             <a:endParaRPr sz="1400" dirty="0">
-              <a:latin typeface="+mn-lt"/>
+              <a:latin typeface="Arial Rounded MT Bold" panose="020F0704030504030204" pitchFamily="34" charset="0"/>
             </a:endParaRPr>
           </a:p>
         </p:txBody>
@@ -17969,7 +18191,7 @@
 </p:sld>
 </file>
 
-<file path=ppt/slides/slide24.xml><?xml version="1.0" encoding="utf-8"?>
+<file path=ppt/slides/slide25.xml><?xml version="1.0" encoding="utf-8"?>
 <p:sld xmlns:a="http://schemas.openxmlformats.org/drawingml/2006/main" xmlns:r="http://schemas.openxmlformats.org/officeDocument/2006/relationships" xmlns:p="http://schemas.openxmlformats.org/presentationml/2006/main">
   <p:cSld>
     <p:spTree>
@@ -18018,7 +18240,7 @@
             </a:pPr>
             <a:fld id="{00000000-1234-1234-1234-123412341234}" type="slidenum">
               <a:rPr lang="en"/>
-              <a:t>24</a:t>
+              <a:t>25</a:t>
             </a:fld>
             <a:endParaRPr/>
           </a:p>
@@ -18055,12 +18277,18 @@
             <a:pPr algn="ctr"/>
             <a:r>
               <a:rPr lang="en" sz="4000" dirty="0">
-                <a:latin typeface="Arial Rounded MT Bold" panose="020F0704030504030204" pitchFamily="34" charset="0"/>
+                <a:solidFill>
+                  <a:schemeClr val="bg2"/>
+                </a:solidFill>
+                <a:latin typeface="Algerian" panose="04020705040A02060702" pitchFamily="82" charset="0"/>
               </a:rPr>
               <a:t>THANK YOU!</a:t>
             </a:r>
             <a:endParaRPr lang="en-US" sz="4000" dirty="0">
-              <a:latin typeface="Arial Rounded MT Bold" panose="020F0704030504030204" pitchFamily="34" charset="0"/>
+              <a:solidFill>
+                <a:schemeClr val="bg2"/>
+              </a:solidFill>
+              <a:latin typeface="Algerian" panose="04020705040A02060702" pitchFamily="82" charset="0"/>
             </a:endParaRPr>
           </a:p>
         </p:txBody>
@@ -18893,6 +19121,36 @@
           </a:p>
         </p:txBody>
       </p:sp>
+      <p:pic>
+        <p:nvPicPr>
+          <p:cNvPr id="2" name="image7.png">
+            <a:extLst>
+              <a:ext uri="{FF2B5EF4-FFF2-40B4-BE49-F238E27FC236}">
+                <a16:creationId xmlns:a16="http://schemas.microsoft.com/office/drawing/2014/main" id="{21B20BAA-75D9-7899-3480-8F8C9E420E7F}"/>
+              </a:ext>
+            </a:extLst>
+          </p:cNvPr>
+          <p:cNvPicPr>
+            <a:picLocks noChangeAspect="1"/>
+          </p:cNvPicPr>
+          <p:nvPr/>
+        </p:nvPicPr>
+        <p:blipFill>
+          <a:blip r:embed="rId2" cstate="print"/>
+          <a:stretch>
+            <a:fillRect/>
+          </a:stretch>
+        </p:blipFill>
+        <p:spPr>
+          <a:xfrm>
+            <a:off x="1752600" y="666750"/>
+            <a:ext cx="5860887" cy="3733800"/>
+          </a:xfrm>
+          <a:prstGeom prst="rect">
+            <a:avLst/>
+          </a:prstGeom>
+        </p:spPr>
+      </p:pic>
     </p:spTree>
     <p:extLst>
       <p:ext uri="{BB962C8B-B14F-4D97-AF65-F5344CB8AC3E}">
@@ -19004,84 +19262,84 @@
           </a:bodyPr>
           <a:lstStyle/>
           <a:p>
-            <a:pPr marL="0" lvl="0" indent="0">
+            <a:pPr marL="0" lvl="0" indent="0" algn="just">
               <a:buNone/>
             </a:pPr>
             <a:endParaRPr lang="en-US" sz="1400" dirty="0">
-              <a:latin typeface="+mn-lt"/>
+              <a:latin typeface="Arial Rounded MT Bold" panose="020F0704030504030204" pitchFamily="34" charset="0"/>
               <a:ea typeface="Montserrat"/>
               <a:cs typeface="Montserrat"/>
               <a:sym typeface="Montserrat"/>
             </a:endParaRPr>
           </a:p>
           <a:p>
-            <a:pPr marL="0" lvl="0" indent="0">
+            <a:pPr marL="0" lvl="0" indent="0" algn="just">
               <a:buNone/>
             </a:pPr>
             <a:endParaRPr lang="en-US" sz="1400" dirty="0">
-              <a:latin typeface="+mn-lt"/>
+              <a:latin typeface="Arial Rounded MT Bold" panose="020F0704030504030204" pitchFamily="34" charset="0"/>
               <a:ea typeface="Montserrat"/>
               <a:cs typeface="Montserrat"/>
               <a:sym typeface="Montserrat"/>
             </a:endParaRPr>
           </a:p>
           <a:p>
-            <a:pPr marL="0" lvl="0" indent="0">
+            <a:pPr marL="0" lvl="0" indent="0" algn="just">
               <a:buNone/>
             </a:pPr>
             <a:endParaRPr lang="en-US" sz="1400" dirty="0">
-              <a:latin typeface="+mn-lt"/>
+              <a:latin typeface="Arial Rounded MT Bold" panose="020F0704030504030204" pitchFamily="34" charset="0"/>
               <a:ea typeface="Montserrat"/>
               <a:cs typeface="Montserrat"/>
               <a:sym typeface="Montserrat"/>
             </a:endParaRPr>
           </a:p>
           <a:p>
-            <a:pPr marL="0" lvl="0" indent="0">
+            <a:pPr marL="0" lvl="0" indent="0" algn="just">
               <a:buNone/>
             </a:pPr>
             <a:endParaRPr lang="en-US" sz="1400" dirty="0">
-              <a:latin typeface="+mn-lt"/>
+              <a:latin typeface="Arial Rounded MT Bold" panose="020F0704030504030204" pitchFamily="34" charset="0"/>
               <a:ea typeface="Montserrat"/>
               <a:cs typeface="Montserrat"/>
               <a:sym typeface="Montserrat"/>
             </a:endParaRPr>
           </a:p>
           <a:p>
-            <a:pPr marL="0" lvl="0" indent="0">
+            <a:pPr marL="0" lvl="0" indent="0" algn="just">
               <a:buNone/>
             </a:pPr>
             <a:endParaRPr lang="en-US" sz="1400" dirty="0">
-              <a:latin typeface="+mn-lt"/>
+              <a:latin typeface="Arial Rounded MT Bold" panose="020F0704030504030204" pitchFamily="34" charset="0"/>
               <a:ea typeface="Montserrat"/>
               <a:cs typeface="Montserrat"/>
               <a:sym typeface="Montserrat"/>
             </a:endParaRPr>
           </a:p>
           <a:p>
-            <a:pPr marL="0" lvl="0" indent="0">
+            <a:pPr marL="0" lvl="0" indent="0" algn="just">
               <a:buNone/>
             </a:pPr>
             <a:endParaRPr lang="en-US" sz="1400" dirty="0">
-              <a:latin typeface="+mn-lt"/>
+              <a:latin typeface="Arial Rounded MT Bold" panose="020F0704030504030204" pitchFamily="34" charset="0"/>
               <a:ea typeface="Montserrat"/>
               <a:cs typeface="Montserrat"/>
               <a:sym typeface="Montserrat"/>
             </a:endParaRPr>
           </a:p>
           <a:p>
-            <a:pPr marL="0" lvl="0" indent="0">
+            <a:pPr marL="0" lvl="0" indent="0" algn="just">
               <a:buNone/>
             </a:pPr>
             <a:endParaRPr lang="en-US" sz="1400" dirty="0">
-              <a:latin typeface="+mn-lt"/>
+              <a:latin typeface="Arial Rounded MT Bold" panose="020F0704030504030204" pitchFamily="34" charset="0"/>
               <a:ea typeface="Montserrat"/>
               <a:cs typeface="Montserrat"/>
               <a:sym typeface="Montserrat"/>
             </a:endParaRPr>
           </a:p>
           <a:p>
-            <a:pPr marL="285750" lvl="0" indent="-285750">
+            <a:pPr marL="285750" lvl="0" indent="-285750" algn="just">
               <a:buFont typeface="Wingdings" panose="05000000000000000000" pitchFamily="2" charset="2"/>
               <a:buChar char="Ø"/>
             </a:pPr>
@@ -19096,7 +19354,7 @@
             </a:r>
           </a:p>
           <a:p>
-            <a:pPr marL="285750" lvl="0" indent="-285750">
+            <a:pPr marL="285750" lvl="0" indent="-285750" algn="just">
               <a:buFont typeface="Wingdings" panose="05000000000000000000" pitchFamily="2" charset="2"/>
               <a:buChar char="Ø"/>
             </a:pPr>
@@ -19108,7 +19366,7 @@
             </a:endParaRPr>
           </a:p>
           <a:p>
-            <a:pPr marL="285750" lvl="0" indent="-285750">
+            <a:pPr marL="285750" lvl="0" indent="-285750" algn="just">
               <a:buFont typeface="Wingdings" panose="05000000000000000000" pitchFamily="2" charset="2"/>
               <a:buChar char="Ø"/>
             </a:pPr>
@@ -19289,7 +19547,7 @@
           <a:bodyPr/>
           <a:lstStyle/>
           <a:p>
-            <a:pPr marL="285750" lvl="0" indent="-285750">
+            <a:pPr marL="285750" lvl="0" indent="-285750" algn="just">
               <a:buFont typeface="Wingdings" panose="05000000000000000000" pitchFamily="2" charset="2"/>
               <a:buChar char="Ø"/>
             </a:pPr>
@@ -19304,7 +19562,7 @@
             </a:r>
           </a:p>
           <a:p>
-            <a:pPr marL="285750" lvl="0" indent="-285750">
+            <a:pPr marL="285750" lvl="0" indent="-285750" algn="just">
               <a:buFont typeface="Wingdings" panose="05000000000000000000" pitchFamily="2" charset="2"/>
               <a:buChar char="Ø"/>
             </a:pPr>
@@ -19316,7 +19574,7 @@
             </a:endParaRPr>
           </a:p>
           <a:p>
-            <a:pPr marL="285750" lvl="0" indent="-285750">
+            <a:pPr marL="285750" lvl="0" indent="-285750" algn="just">
               <a:buFont typeface="Wingdings" panose="05000000000000000000" pitchFamily="2" charset="2"/>
               <a:buChar char="Ø"/>
             </a:pPr>
@@ -19331,7 +19589,7 @@
             </a:r>
           </a:p>
           <a:p>
-            <a:pPr marL="285750" lvl="0" indent="-285750">
+            <a:pPr marL="285750" lvl="0" indent="-285750" algn="just">
               <a:buFont typeface="Wingdings" panose="05000000000000000000" pitchFamily="2" charset="2"/>
               <a:buChar char="Ø"/>
             </a:pPr>
@@ -19343,7 +19601,7 @@
             </a:endParaRPr>
           </a:p>
           <a:p>
-            <a:pPr marL="285750" lvl="0" indent="-285750">
+            <a:pPr marL="285750" lvl="0" indent="-285750" algn="just">
               <a:buFont typeface="Wingdings" panose="05000000000000000000" pitchFamily="2" charset="2"/>
               <a:buChar char="Ø"/>
             </a:pPr>
@@ -19358,7 +19616,7 @@
             </a:r>
           </a:p>
           <a:p>
-            <a:pPr marL="0" lvl="0" indent="0">
+            <a:pPr marL="0" lvl="0" indent="0" algn="just">
               <a:buNone/>
             </a:pPr>
             <a:endParaRPr lang="en-US" sz="1400" dirty="0">
@@ -19369,7 +19627,7 @@
             </a:endParaRPr>
           </a:p>
           <a:p>
-            <a:pPr marL="285750" lvl="0" indent="-285750">
+            <a:pPr marL="285750" lvl="0" indent="-285750" algn="just">
               <a:buFont typeface="Wingdings" panose="05000000000000000000" pitchFamily="2" charset="2"/>
               <a:buChar char="Ø"/>
             </a:pPr>
@@ -19384,7 +19642,7 @@
             </a:r>
           </a:p>
           <a:p>
-            <a:pPr marL="0" lvl="0" indent="0">
+            <a:pPr marL="0" lvl="0" indent="0" algn="just">
               <a:buNone/>
             </a:pPr>
             <a:endParaRPr lang="en-US" sz="1400" dirty="0">
@@ -19395,7 +19653,7 @@
             </a:endParaRPr>
           </a:p>
           <a:p>
-            <a:pPr marL="285750" lvl="0" indent="-285750">
+            <a:pPr marL="285750" lvl="0" indent="-285750" algn="just">
               <a:buFont typeface="Wingdings" panose="05000000000000000000" pitchFamily="2" charset="2"/>
               <a:buChar char="Ø"/>
             </a:pPr>
@@ -19410,7 +19668,7 @@
             </a:r>
           </a:p>
           <a:p>
-            <a:pPr marL="101600" indent="0">
+            <a:pPr marL="101600" indent="0" algn="just">
               <a:buNone/>
             </a:pPr>
             <a:endParaRPr lang="en-US" sz="1400" dirty="0"/>

--- a/Reports/Seminar-ppt.pptx
+++ b/Reports/Seminar-ppt.pptx
@@ -13902,6 +13902,71 @@
           </a:p>
         </p:txBody>
       </p:sp>
+      <p:sp>
+        <p:nvSpPr>
+          <p:cNvPr id="9" name="TextBox 8">
+            <a:extLst>
+              <a:ext uri="{FF2B5EF4-FFF2-40B4-BE49-F238E27FC236}">
+                <a16:creationId xmlns:a16="http://schemas.microsoft.com/office/drawing/2014/main" id="{5B19DE10-13B3-DF64-009C-B29F0FFE8217}"/>
+              </a:ext>
+            </a:extLst>
+          </p:cNvPr>
+          <p:cNvSpPr txBox="1"/>
+          <p:nvPr/>
+        </p:nvSpPr>
+        <p:spPr>
+          <a:xfrm>
+            <a:off x="5943600" y="4401550"/>
+            <a:ext cx="3322319" cy="738664"/>
+          </a:xfrm>
+          <a:prstGeom prst="rect">
+            <a:avLst/>
+          </a:prstGeom>
+          <a:noFill/>
+        </p:spPr>
+        <p:txBody>
+          <a:bodyPr wrap="square" rtlCol="0">
+            <a:spAutoFit/>
+          </a:bodyPr>
+          <a:lstStyle/>
+          <a:p>
+            <a:r>
+              <a:rPr lang="en-US" dirty="0">
+                <a:latin typeface="Arial Rounded MT Bold" panose="020F0704030504030204" pitchFamily="34" charset="0"/>
+              </a:rPr>
+              <a:t>Submitted By : Chintan Bhimani A. </a:t>
+            </a:r>
+          </a:p>
+          <a:p>
+            <a:r>
+              <a:rPr lang="en-US" dirty="0">
+                <a:latin typeface="Arial Rounded MT Bold" panose="020F0704030504030204" pitchFamily="34" charset="0"/>
+              </a:rPr>
+              <a:t>Exam No.: 3009</a:t>
+            </a:r>
+          </a:p>
+          <a:p>
+            <a:r>
+              <a:rPr lang="en-US" dirty="0">
+                <a:latin typeface="Arial Rounded MT Bold" panose="020F0704030504030204" pitchFamily="34" charset="0"/>
+              </a:rPr>
+              <a:t>Guided By : Prof. </a:t>
+            </a:r>
+            <a:r>
+              <a:rPr lang="en-US" dirty="0" err="1">
+                <a:latin typeface="Arial Rounded MT Bold" panose="020F0704030504030204" pitchFamily="34" charset="0"/>
+              </a:rPr>
+              <a:t>Jamini</a:t>
+            </a:r>
+            <a:r>
+              <a:rPr lang="en-US" dirty="0">
+                <a:latin typeface="Arial Rounded MT Bold" panose="020F0704030504030204" pitchFamily="34" charset="0"/>
+              </a:rPr>
+              <a:t> Patel</a:t>
+            </a:r>
+          </a:p>
+        </p:txBody>
+      </p:sp>
     </p:spTree>
   </p:cSld>
   <p:clrMapOvr>
@@ -18835,19 +18900,7 @@
               <a:rPr lang="en-US" dirty="0">
                 <a:latin typeface="Arial Rounded MT Bold" panose="020F0704030504030204" pitchFamily="34" charset="0"/>
               </a:rPr>
-              <a:t>Serverless Computing is a cloud computing execution model in which the </a:t>
-            </a:r>
-            <a:r>
-              <a:rPr lang="en-US" dirty="0" err="1">
-                <a:latin typeface="Arial Rounded MT Bold" panose="020F0704030504030204" pitchFamily="34" charset="0"/>
-              </a:rPr>
-              <a:t>AIMDek</a:t>
-            </a:r>
-            <a:r>
-              <a:rPr lang="en-US" dirty="0">
-                <a:latin typeface="Arial Rounded MT Bold" panose="020F0704030504030204" pitchFamily="34" charset="0"/>
-              </a:rPr>
-              <a:t> cloud provider dynamically manages the allocation of machine resources, and bills based on the actual amount of resources consumed by an application, rather than billing based on pre-purchased units of capacity....]</a:t>
+              <a:t>Serverless Computing is a cloud computing execution model in which the cloud provider dynamically manages the allocation of machine resources, and bills based on the actual amount of resources consumed by an application, rather than billing based on pre-purchased units of capacity....</a:t>
             </a:r>
           </a:p>
           <a:p>

--- a/Reports/Seminar-ppt.pptx
+++ b/Reports/Seminar-ppt.pptx
@@ -13950,28 +13950,129 @@
               <a:rPr lang="en-US" dirty="0">
                 <a:latin typeface="Arial Rounded MT Bold" panose="020F0704030504030204" pitchFamily="34" charset="0"/>
               </a:rPr>
-              <a:t>Guided By : Prof. </a:t>
-            </a:r>
-            <a:r>
-              <a:rPr lang="en-US" dirty="0" err="1">
-                <a:latin typeface="Arial Rounded MT Bold" panose="020F0704030504030204" pitchFamily="34" charset="0"/>
-              </a:rPr>
-              <a:t>Jamini</a:t>
-            </a:r>
-            <a:r>
-              <a:rPr lang="en-US" dirty="0">
-                <a:latin typeface="Arial Rounded MT Bold" panose="020F0704030504030204" pitchFamily="34" charset="0"/>
-              </a:rPr>
-              <a:t> Patel</a:t>
+              <a:t>Guided By : Prof. Jaimini Patel</a:t>
             </a:r>
           </a:p>
         </p:txBody>
       </p:sp>
+      <p:pic>
+        <p:nvPicPr>
+          <p:cNvPr id="2" name="image1.jpeg" descr="Logo, company name&#10;&#10;Description automatically generated">
+            <a:extLst>
+              <a:ext uri="{FF2B5EF4-FFF2-40B4-BE49-F238E27FC236}">
+                <a16:creationId xmlns:a16="http://schemas.microsoft.com/office/drawing/2014/main" id="{8E872882-105D-35CC-0BF0-A98D8B1940A3}"/>
+              </a:ext>
+            </a:extLst>
+          </p:cNvPr>
+          <p:cNvPicPr>
+            <a:picLocks noChangeAspect="1"/>
+          </p:cNvPicPr>
+          <p:nvPr/>
+        </p:nvPicPr>
+        <p:blipFill>
+          <a:blip r:embed="rId3" cstate="print"/>
+          <a:stretch>
+            <a:fillRect/>
+          </a:stretch>
+        </p:blipFill>
+        <p:spPr>
+          <a:xfrm>
+            <a:off x="0" y="0"/>
+            <a:ext cx="2580653" cy="512957"/>
+          </a:xfrm>
+          <a:prstGeom prst="rect">
+            <a:avLst/>
+          </a:prstGeom>
+        </p:spPr>
+      </p:pic>
     </p:spTree>
   </p:cSld>
   <p:clrMapOvr>
     <a:masterClrMapping/>
   </p:clrMapOvr>
+  <p:timing>
+    <p:tnLst>
+      <p:par>
+        <p:cTn id="1" dur="indefinite" restart="never" nodeType="tmRoot">
+          <p:childTnLst>
+            <p:seq concurrent="1" nextAc="seek">
+              <p:cTn id="2" dur="indefinite" nodeType="mainSeq">
+                <p:childTnLst>
+                  <p:par>
+                    <p:cTn id="3" fill="hold">
+                      <p:stCondLst>
+                        <p:cond delay="indefinite"/>
+                      </p:stCondLst>
+                      <p:childTnLst>
+                        <p:par>
+                          <p:cTn id="4" fill="hold">
+                            <p:stCondLst>
+                              <p:cond delay="0"/>
+                            </p:stCondLst>
+                            <p:childTnLst>
+                              <p:par>
+                                <p:cTn id="5" presetID="22" presetClass="entr" presetSubtype="4" fill="hold" nodeType="clickEffect">
+                                  <p:stCondLst>
+                                    <p:cond delay="0"/>
+                                  </p:stCondLst>
+                                  <p:childTnLst>
+                                    <p:set>
+                                      <p:cBhvr>
+                                        <p:cTn id="6" dur="1" fill="hold">
+                                          <p:stCondLst>
+                                            <p:cond delay="0"/>
+                                          </p:stCondLst>
+                                        </p:cTn>
+                                        <p:tgtEl>
+                                          <p:spTgt spid="2"/>
+                                        </p:tgtEl>
+                                        <p:attrNameLst>
+                                          <p:attrName>style.visibility</p:attrName>
+                                        </p:attrNameLst>
+                                      </p:cBhvr>
+                                      <p:to>
+                                        <p:strVal val="visible"/>
+                                      </p:to>
+                                    </p:set>
+                                    <p:animEffect transition="in" filter="wipe(down)">
+                                      <p:cBhvr>
+                                        <p:cTn id="7" dur="500"/>
+                                        <p:tgtEl>
+                                          <p:spTgt spid="2"/>
+                                        </p:tgtEl>
+                                      </p:cBhvr>
+                                    </p:animEffect>
+                                  </p:childTnLst>
+                                </p:cTn>
+                              </p:par>
+                            </p:childTnLst>
+                          </p:cTn>
+                        </p:par>
+                      </p:childTnLst>
+                    </p:cTn>
+                  </p:par>
+                </p:childTnLst>
+              </p:cTn>
+              <p:prevCondLst>
+                <p:cond evt="onPrev" delay="0">
+                  <p:tgtEl>
+                    <p:sldTgt/>
+                  </p:tgtEl>
+                </p:cond>
+              </p:prevCondLst>
+              <p:nextCondLst>
+                <p:cond evt="onNext" delay="0">
+                  <p:tgtEl>
+                    <p:sldTgt/>
+                  </p:tgtEl>
+                </p:cond>
+              </p:nextCondLst>
+            </p:seq>
+          </p:childTnLst>
+        </p:cTn>
+      </p:par>
+    </p:tnLst>
+  </p:timing>
 </p:sld>
 </file>
 
